--- a/doc/Sleeper.pptx
+++ b/doc/Sleeper.pptx
@@ -7,15 +7,17 @@
   <p:sldIdLst>
     <p:sldId id="257" r:id="rId2"/>
     <p:sldId id="263" r:id="rId3"/>
-    <p:sldId id="264" r:id="rId4"/>
+    <p:sldId id="274" r:id="rId4"/>
     <p:sldId id="265" r:id="rId5"/>
-    <p:sldId id="266" r:id="rId6"/>
-    <p:sldId id="267" r:id="rId7"/>
-    <p:sldId id="271" r:id="rId8"/>
+    <p:sldId id="264" r:id="rId6"/>
+    <p:sldId id="266" r:id="rId7"/>
+    <p:sldId id="267" r:id="rId8"/>
     <p:sldId id="272" r:id="rId9"/>
-    <p:sldId id="268" r:id="rId10"/>
-    <p:sldId id="269" r:id="rId11"/>
-    <p:sldId id="270" r:id="rId12"/>
+    <p:sldId id="273" r:id="rId10"/>
+    <p:sldId id="271" r:id="rId11"/>
+    <p:sldId id="268" r:id="rId12"/>
+    <p:sldId id="269" r:id="rId13"/>
+    <p:sldId id="270" r:id="rId14"/>
   </p:sldIdLst>
   <p:sldSz cx="12192000" cy="6858000"/>
   <p:notesSz cx="6858000" cy="9144000"/>
@@ -271,7 +273,7 @@
           <a:p>
             <a:fld id="{1DC4558F-341D-43A6-BABD-B32D0FBA1E3B}" type="datetimeFigureOut">
               <a:rPr lang="bg-BG" smtClean="0"/>
-              <a:t>18.2.2020 г.</a:t>
+              <a:t>21.2.2020 г.</a:t>
             </a:fld>
             <a:endParaRPr lang="bg-BG"/>
           </a:p>
@@ -471,7 +473,7 @@
           <a:p>
             <a:fld id="{1DC4558F-341D-43A6-BABD-B32D0FBA1E3B}" type="datetimeFigureOut">
               <a:rPr lang="bg-BG" smtClean="0"/>
-              <a:t>18.2.2020 г.</a:t>
+              <a:t>21.2.2020 г.</a:t>
             </a:fld>
             <a:endParaRPr lang="bg-BG"/>
           </a:p>
@@ -681,7 +683,7 @@
           <a:p>
             <a:fld id="{1DC4558F-341D-43A6-BABD-B32D0FBA1E3B}" type="datetimeFigureOut">
               <a:rPr lang="bg-BG" smtClean="0"/>
-              <a:t>18.2.2020 г.</a:t>
+              <a:t>21.2.2020 г.</a:t>
             </a:fld>
             <a:endParaRPr lang="bg-BG"/>
           </a:p>
@@ -881,7 +883,7 @@
           <a:p>
             <a:fld id="{1DC4558F-341D-43A6-BABD-B32D0FBA1E3B}" type="datetimeFigureOut">
               <a:rPr lang="bg-BG" smtClean="0"/>
-              <a:t>18.2.2020 г.</a:t>
+              <a:t>21.2.2020 г.</a:t>
             </a:fld>
             <a:endParaRPr lang="bg-BG"/>
           </a:p>
@@ -1157,7 +1159,7 @@
           <a:p>
             <a:fld id="{1DC4558F-341D-43A6-BABD-B32D0FBA1E3B}" type="datetimeFigureOut">
               <a:rPr lang="bg-BG" smtClean="0"/>
-              <a:t>18.2.2020 г.</a:t>
+              <a:t>21.2.2020 г.</a:t>
             </a:fld>
             <a:endParaRPr lang="bg-BG"/>
           </a:p>
@@ -1425,7 +1427,7 @@
           <a:p>
             <a:fld id="{1DC4558F-341D-43A6-BABD-B32D0FBA1E3B}" type="datetimeFigureOut">
               <a:rPr lang="bg-BG" smtClean="0"/>
-              <a:t>18.2.2020 г.</a:t>
+              <a:t>21.2.2020 г.</a:t>
             </a:fld>
             <a:endParaRPr lang="bg-BG"/>
           </a:p>
@@ -1840,7 +1842,7 @@
           <a:p>
             <a:fld id="{1DC4558F-341D-43A6-BABD-B32D0FBA1E3B}" type="datetimeFigureOut">
               <a:rPr lang="bg-BG" smtClean="0"/>
-              <a:t>18.2.2020 г.</a:t>
+              <a:t>21.2.2020 г.</a:t>
             </a:fld>
             <a:endParaRPr lang="bg-BG"/>
           </a:p>
@@ -1982,7 +1984,7 @@
           <a:p>
             <a:fld id="{1DC4558F-341D-43A6-BABD-B32D0FBA1E3B}" type="datetimeFigureOut">
               <a:rPr lang="bg-BG" smtClean="0"/>
-              <a:t>18.2.2020 г.</a:t>
+              <a:t>21.2.2020 г.</a:t>
             </a:fld>
             <a:endParaRPr lang="bg-BG"/>
           </a:p>
@@ -2095,7 +2097,7 @@
           <a:p>
             <a:fld id="{1DC4558F-341D-43A6-BABD-B32D0FBA1E3B}" type="datetimeFigureOut">
               <a:rPr lang="bg-BG" smtClean="0"/>
-              <a:t>18.2.2020 г.</a:t>
+              <a:t>21.2.2020 г.</a:t>
             </a:fld>
             <a:endParaRPr lang="bg-BG"/>
           </a:p>
@@ -2408,7 +2410,7 @@
           <a:p>
             <a:fld id="{1DC4558F-341D-43A6-BABD-B32D0FBA1E3B}" type="datetimeFigureOut">
               <a:rPr lang="bg-BG" smtClean="0"/>
-              <a:t>18.2.2020 г.</a:t>
+              <a:t>21.2.2020 г.</a:t>
             </a:fld>
             <a:endParaRPr lang="bg-BG"/>
           </a:p>
@@ -2697,7 +2699,7 @@
           <a:p>
             <a:fld id="{1DC4558F-341D-43A6-BABD-B32D0FBA1E3B}" type="datetimeFigureOut">
               <a:rPr lang="bg-BG" smtClean="0"/>
-              <a:t>18.2.2020 г.</a:t>
+              <a:t>21.2.2020 г.</a:t>
             </a:fld>
             <a:endParaRPr lang="bg-BG"/>
           </a:p>
@@ -2961,7 +2963,7 @@
           <a:p>
             <a:fld id="{1DC4558F-341D-43A6-BABD-B32D0FBA1E3B}" type="datetimeFigureOut">
               <a:rPr lang="bg-BG" smtClean="0"/>
-              <a:t>18.2.2020 г.</a:t>
+              <a:t>21.2.2020 г.</a:t>
             </a:fld>
             <a:endParaRPr lang="bg-BG"/>
           </a:p>
@@ -3616,6 +3618,689 @@
           <a:chExt cx="0" cy="0"/>
         </a:xfrm>
       </p:grpSpPr>
+      <p:sp>
+        <p:nvSpPr>
+          <p:cNvPr id="5" name="Title 3">
+            <a:extLst>
+              <a:ext uri="{FF2B5EF4-FFF2-40B4-BE49-F238E27FC236}">
+                <a16:creationId xmlns:a16="http://schemas.microsoft.com/office/drawing/2014/main" id="{F4BEF6E4-A3E8-4FD5-A4CB-274A9F3500A6}"/>
+              </a:ext>
+            </a:extLst>
+          </p:cNvPr>
+          <p:cNvSpPr txBox="1">
+            <a:spLocks/>
+          </p:cNvSpPr>
+          <p:nvPr/>
+        </p:nvSpPr>
+        <p:spPr>
+          <a:xfrm>
+            <a:off x="3139890" y="102773"/>
+            <a:ext cx="5693214" cy="963659"/>
+          </a:xfrm>
+          <a:prstGeom prst="rect">
+            <a:avLst/>
+          </a:prstGeom>
+        </p:spPr>
+        <p:txBody>
+          <a:bodyPr vert="horz" lIns="91440" tIns="45720" rIns="91440" bIns="45720" rtlCol="0" anchor="b">
+            <a:normAutofit fontScale="70000" lnSpcReduction="20000"/>
+          </a:bodyPr>
+          <a:lstStyle>
+            <a:lvl1pPr algn="ctr" defTabSz="914400" rtl="0" eaLnBrk="1" latinLnBrk="0" hangingPunct="1">
+              <a:lnSpc>
+                <a:spcPct val="90000"/>
+              </a:lnSpc>
+              <a:spcBef>
+                <a:spcPct val="0"/>
+              </a:spcBef>
+              <a:buNone/>
+              <a:defRPr sz="6000" kern="1200">
+                <a:solidFill>
+                  <a:schemeClr val="tx1"/>
+                </a:solidFill>
+                <a:latin typeface="+mj-lt"/>
+                <a:ea typeface="+mj-ea"/>
+                <a:cs typeface="+mj-cs"/>
+              </a:defRPr>
+            </a:lvl1pPr>
+          </a:lstStyle>
+          <a:p>
+            <a:r>
+              <a:rPr lang="bg-BG" b="1" dirty="0">
+                <a:latin typeface="Times New Roman" panose="02020603050405020304" pitchFamily="18" charset="0"/>
+                <a:cs typeface="Times New Roman" panose="02020603050405020304" pitchFamily="18" charset="0"/>
+              </a:rPr>
+              <a:t>Сравнителен анализ</a:t>
+            </a:r>
+          </a:p>
+        </p:txBody>
+      </p:sp>
+      <p:pic>
+        <p:nvPicPr>
+          <p:cNvPr id="11272" name="Picture 8" descr="Image result for bad sleep">
+            <a:extLst>
+              <a:ext uri="{FF2B5EF4-FFF2-40B4-BE49-F238E27FC236}">
+                <a16:creationId xmlns:a16="http://schemas.microsoft.com/office/drawing/2014/main" id="{DEDCBA23-6B6E-4FD1-854E-008014B7C9E1}"/>
+              </a:ext>
+            </a:extLst>
+          </p:cNvPr>
+          <p:cNvPicPr>
+            <a:picLocks noChangeAspect="1" noChangeArrowheads="1"/>
+          </p:cNvPicPr>
+          <p:nvPr/>
+        </p:nvPicPr>
+        <p:blipFill>
+          <a:blip r:embed="rId2">
+            <a:extLst>
+              <a:ext uri="{28A0092B-C50C-407E-A947-70E740481C1C}">
+                <a14:useLocalDpi xmlns:a14="http://schemas.microsoft.com/office/drawing/2010/main" val="0"/>
+              </a:ext>
+            </a:extLst>
+          </a:blip>
+          <a:srcRect/>
+          <a:stretch>
+            <a:fillRect/>
+          </a:stretch>
+        </p:blipFill>
+        <p:spPr bwMode="auto">
+          <a:xfrm>
+            <a:off x="1228072" y="1116240"/>
+            <a:ext cx="3639856" cy="2023741"/>
+          </a:xfrm>
+          <a:prstGeom prst="rect">
+            <a:avLst/>
+          </a:prstGeom>
+          <a:noFill/>
+          <a:extLst>
+            <a:ext uri="{909E8E84-426E-40DD-AFC4-6F175D3DCCD1}">
+              <a14:hiddenFill xmlns:a14="http://schemas.microsoft.com/office/drawing/2010/main">
+                <a:solidFill>
+                  <a:srgbClr val="FFFFFF"/>
+                </a:solidFill>
+              </a14:hiddenFill>
+            </a:ext>
+          </a:extLst>
+        </p:spPr>
+      </p:pic>
+      <p:pic>
+        <p:nvPicPr>
+          <p:cNvPr id="9" name="Picture 6" descr="Image result for deep sleep">
+            <a:extLst>
+              <a:ext uri="{FF2B5EF4-FFF2-40B4-BE49-F238E27FC236}">
+                <a16:creationId xmlns:a16="http://schemas.microsoft.com/office/drawing/2014/main" id="{A5071716-252D-45F4-AEA8-958D1D096A6F}"/>
+              </a:ext>
+            </a:extLst>
+          </p:cNvPr>
+          <p:cNvPicPr>
+            <a:picLocks noChangeAspect="1" noChangeArrowheads="1"/>
+          </p:cNvPicPr>
+          <p:nvPr/>
+        </p:nvPicPr>
+        <p:blipFill>
+          <a:blip r:embed="rId3">
+            <a:extLst>
+              <a:ext uri="{28A0092B-C50C-407E-A947-70E740481C1C}">
+                <a14:useLocalDpi xmlns:a14="http://schemas.microsoft.com/office/drawing/2010/main" val="0"/>
+              </a:ext>
+            </a:extLst>
+          </a:blip>
+          <a:srcRect/>
+          <a:stretch>
+            <a:fillRect/>
+          </a:stretch>
+        </p:blipFill>
+        <p:spPr bwMode="auto">
+          <a:xfrm>
+            <a:off x="7078497" y="1091336"/>
+            <a:ext cx="3509213" cy="1973933"/>
+          </a:xfrm>
+          <a:prstGeom prst="rect">
+            <a:avLst/>
+          </a:prstGeom>
+          <a:noFill/>
+          <a:extLst>
+            <a:ext uri="{909E8E84-426E-40DD-AFC4-6F175D3DCCD1}">
+              <a14:hiddenFill xmlns:a14="http://schemas.microsoft.com/office/drawing/2010/main">
+                <a:solidFill>
+                  <a:srgbClr val="FFFFFF"/>
+                </a:solidFill>
+              </a14:hiddenFill>
+            </a:ext>
+          </a:extLst>
+        </p:spPr>
+      </p:pic>
+      <p:pic>
+        <p:nvPicPr>
+          <p:cNvPr id="3" name="Picture 2">
+            <a:extLst>
+              <a:ext uri="{FF2B5EF4-FFF2-40B4-BE49-F238E27FC236}">
+                <a16:creationId xmlns:a16="http://schemas.microsoft.com/office/drawing/2014/main" id="{21B3259E-B441-4DBC-8536-8C73905CFC19}"/>
+              </a:ext>
+            </a:extLst>
+          </p:cNvPr>
+          <p:cNvPicPr>
+            <a:picLocks noChangeAspect="1"/>
+          </p:cNvPicPr>
+          <p:nvPr/>
+        </p:nvPicPr>
+        <p:blipFill>
+          <a:blip r:embed="rId4">
+            <a:extLst>
+              <a:ext uri="{28A0092B-C50C-407E-A947-70E740481C1C}">
+                <a14:useLocalDpi xmlns:a14="http://schemas.microsoft.com/office/drawing/2010/main" val="0"/>
+              </a:ext>
+            </a:extLst>
+          </a:blip>
+          <a:stretch>
+            <a:fillRect/>
+          </a:stretch>
+        </p:blipFill>
+        <p:spPr>
+          <a:xfrm>
+            <a:off x="6096001" y="3090173"/>
+            <a:ext cx="6096000" cy="3048000"/>
+          </a:xfrm>
+          <a:prstGeom prst="rect">
+            <a:avLst/>
+          </a:prstGeom>
+        </p:spPr>
+      </p:pic>
+      <p:pic>
+        <p:nvPicPr>
+          <p:cNvPr id="6" name="Picture 5">
+            <a:extLst>
+              <a:ext uri="{FF2B5EF4-FFF2-40B4-BE49-F238E27FC236}">
+                <a16:creationId xmlns:a16="http://schemas.microsoft.com/office/drawing/2014/main" id="{5B405B29-535D-4D9A-BA7D-8CCF42EF90DC}"/>
+              </a:ext>
+            </a:extLst>
+          </p:cNvPr>
+          <p:cNvPicPr>
+            <a:picLocks noChangeAspect="1"/>
+          </p:cNvPicPr>
+          <p:nvPr/>
+        </p:nvPicPr>
+        <p:blipFill>
+          <a:blip r:embed="rId5">
+            <a:extLst>
+              <a:ext uri="{28A0092B-C50C-407E-A947-70E740481C1C}">
+                <a14:useLocalDpi xmlns:a14="http://schemas.microsoft.com/office/drawing/2010/main" val="0"/>
+              </a:ext>
+            </a:extLst>
+          </a:blip>
+          <a:stretch>
+            <a:fillRect/>
+          </a:stretch>
+        </p:blipFill>
+        <p:spPr>
+          <a:xfrm>
+            <a:off x="0" y="3090173"/>
+            <a:ext cx="6096000" cy="3048000"/>
+          </a:xfrm>
+          <a:prstGeom prst="rect">
+            <a:avLst/>
+          </a:prstGeom>
+        </p:spPr>
+      </p:pic>
+    </p:spTree>
+    <p:extLst>
+      <p:ext uri="{BB962C8B-B14F-4D97-AF65-F5344CB8AC3E}">
+        <p14:creationId xmlns:p14="http://schemas.microsoft.com/office/powerpoint/2010/main" val="2317041987"/>
+      </p:ext>
+    </p:extLst>
+  </p:cSld>
+  <p:clrMapOvr>
+    <a:masterClrMapping/>
+  </p:clrMapOvr>
+</p:sld>
+</file>
+
+<file path=ppt/slides/slide11.xml><?xml version="1.0" encoding="utf-8"?>
+<p:sld xmlns:a="http://schemas.openxmlformats.org/drawingml/2006/main" xmlns:r="http://schemas.openxmlformats.org/officeDocument/2006/relationships" xmlns:p="http://schemas.openxmlformats.org/presentationml/2006/main">
+  <p:cSld>
+    <p:spTree>
+      <p:nvGrpSpPr>
+        <p:cNvPr id="1" name=""/>
+        <p:cNvGrpSpPr/>
+        <p:nvPr/>
+      </p:nvGrpSpPr>
+      <p:grpSpPr>
+        <a:xfrm>
+          <a:off x="0" y="0"/>
+          <a:ext cx="0" cy="0"/>
+          <a:chOff x="0" y="0"/>
+          <a:chExt cx="0" cy="0"/>
+        </a:xfrm>
+      </p:grpSpPr>
+      <p:pic>
+        <p:nvPicPr>
+          <p:cNvPr id="2056" name="Picture 8" descr="Related image">
+            <a:extLst>
+              <a:ext uri="{FF2B5EF4-FFF2-40B4-BE49-F238E27FC236}">
+                <a16:creationId xmlns:a16="http://schemas.microsoft.com/office/drawing/2014/main" id="{C78DFF66-22DE-4540-BC8C-C99D9DEDC41A}"/>
+              </a:ext>
+            </a:extLst>
+          </p:cNvPr>
+          <p:cNvPicPr>
+            <a:picLocks noChangeAspect="1" noChangeArrowheads="1"/>
+          </p:cNvPicPr>
+          <p:nvPr/>
+        </p:nvPicPr>
+        <p:blipFill rotWithShape="1">
+          <a:blip r:embed="rId2">
+            <a:extLst>
+              <a:ext uri="{28A0092B-C50C-407E-A947-70E740481C1C}">
+                <a14:useLocalDpi xmlns:a14="http://schemas.microsoft.com/office/drawing/2010/main" val="0"/>
+              </a:ext>
+            </a:extLst>
+          </a:blip>
+          <a:srcRect l="29969" t="-13874" r="36354" b="23861"/>
+          <a:stretch/>
+        </p:blipFill>
+        <p:spPr bwMode="auto">
+          <a:xfrm rot="16200000">
+            <a:off x="7059708" y="1725707"/>
+            <a:ext cx="4105834" cy="6158751"/>
+          </a:xfrm>
+          <a:prstGeom prst="rect">
+            <a:avLst/>
+          </a:prstGeom>
+          <a:noFill/>
+          <a:extLst>
+            <a:ext uri="{909E8E84-426E-40DD-AFC4-6F175D3DCCD1}">
+              <a14:hiddenFill xmlns:a14="http://schemas.microsoft.com/office/drawing/2010/main">
+                <a:solidFill>
+                  <a:srgbClr val="FFFFFF"/>
+                </a:solidFill>
+              </a14:hiddenFill>
+            </a:ext>
+          </a:extLst>
+        </p:spPr>
+      </p:pic>
+      <p:pic>
+        <p:nvPicPr>
+          <p:cNvPr id="11" name="Picture 8" descr="Related image">
+            <a:extLst>
+              <a:ext uri="{FF2B5EF4-FFF2-40B4-BE49-F238E27FC236}">
+                <a16:creationId xmlns:a16="http://schemas.microsoft.com/office/drawing/2014/main" id="{308446BC-706E-4463-869C-2BB7C52593C0}"/>
+              </a:ext>
+            </a:extLst>
+          </p:cNvPr>
+          <p:cNvPicPr>
+            <a:picLocks noChangeAspect="1" noChangeArrowheads="1"/>
+          </p:cNvPicPr>
+          <p:nvPr/>
+        </p:nvPicPr>
+        <p:blipFill rotWithShape="1">
+          <a:blip r:embed="rId2">
+            <a:extLst>
+              <a:ext uri="{28A0092B-C50C-407E-A947-70E740481C1C}">
+                <a14:useLocalDpi xmlns:a14="http://schemas.microsoft.com/office/drawing/2010/main" val="0"/>
+              </a:ext>
+            </a:extLst>
+          </a:blip>
+          <a:srcRect l="29969" t="-13874" r="36354" b="23861"/>
+          <a:stretch/>
+        </p:blipFill>
+        <p:spPr bwMode="auto">
+          <a:xfrm rot="10800000">
+            <a:off x="8086166" y="0"/>
+            <a:ext cx="4105834" cy="6158751"/>
+          </a:xfrm>
+          <a:prstGeom prst="rect">
+            <a:avLst/>
+          </a:prstGeom>
+          <a:noFill/>
+          <a:extLst>
+            <a:ext uri="{909E8E84-426E-40DD-AFC4-6F175D3DCCD1}">
+              <a14:hiddenFill xmlns:a14="http://schemas.microsoft.com/office/drawing/2010/main">
+                <a:solidFill>
+                  <a:srgbClr val="FFFFFF"/>
+                </a:solidFill>
+              </a14:hiddenFill>
+            </a:ext>
+          </a:extLst>
+        </p:spPr>
+      </p:pic>
+      <p:sp>
+        <p:nvSpPr>
+          <p:cNvPr id="5" name="Title 3">
+            <a:extLst>
+              <a:ext uri="{FF2B5EF4-FFF2-40B4-BE49-F238E27FC236}">
+                <a16:creationId xmlns:a16="http://schemas.microsoft.com/office/drawing/2014/main" id="{F4BEF6E4-A3E8-4FD5-A4CB-274A9F3500A6}"/>
+              </a:ext>
+            </a:extLst>
+          </p:cNvPr>
+          <p:cNvSpPr txBox="1">
+            <a:spLocks/>
+          </p:cNvSpPr>
+          <p:nvPr/>
+        </p:nvSpPr>
+        <p:spPr>
+          <a:xfrm>
+            <a:off x="2830608" y="0"/>
+            <a:ext cx="6405282" cy="1035423"/>
+          </a:xfrm>
+          <a:prstGeom prst="rect">
+            <a:avLst/>
+          </a:prstGeom>
+        </p:spPr>
+        <p:txBody>
+          <a:bodyPr vert="horz" lIns="91440" tIns="45720" rIns="91440" bIns="45720" rtlCol="0" anchor="b">
+            <a:normAutofit/>
+          </a:bodyPr>
+          <a:lstStyle>
+            <a:lvl1pPr algn="ctr" defTabSz="914400" rtl="0" eaLnBrk="1" latinLnBrk="0" hangingPunct="1">
+              <a:lnSpc>
+                <a:spcPct val="90000"/>
+              </a:lnSpc>
+              <a:spcBef>
+                <a:spcPct val="0"/>
+              </a:spcBef>
+              <a:buNone/>
+              <a:defRPr sz="6000" kern="1200">
+                <a:solidFill>
+                  <a:schemeClr val="tx1"/>
+                </a:solidFill>
+                <a:latin typeface="+mj-lt"/>
+                <a:ea typeface="+mj-ea"/>
+                <a:cs typeface="+mj-cs"/>
+              </a:defRPr>
+            </a:lvl1pPr>
+          </a:lstStyle>
+          <a:p>
+            <a:r>
+              <a:rPr lang="bg-BG" b="1" dirty="0">
+                <a:latin typeface="Times New Roman" panose="02020603050405020304" pitchFamily="18" charset="0"/>
+                <a:cs typeface="Times New Roman" panose="02020603050405020304" pitchFamily="18" charset="0"/>
+              </a:rPr>
+              <a:t>Предимства</a:t>
+            </a:r>
+          </a:p>
+        </p:txBody>
+      </p:sp>
+      <p:sp>
+        <p:nvSpPr>
+          <p:cNvPr id="6" name="Контейнер за съдържание 8">
+            <a:extLst>
+              <a:ext uri="{FF2B5EF4-FFF2-40B4-BE49-F238E27FC236}">
+                <a16:creationId xmlns:a16="http://schemas.microsoft.com/office/drawing/2014/main" id="{47C2FCB4-E973-414F-AF48-4C8DAF1A4CEA}"/>
+              </a:ext>
+            </a:extLst>
+          </p:cNvPr>
+          <p:cNvSpPr txBox="1">
+            <a:spLocks/>
+          </p:cNvSpPr>
+          <p:nvPr/>
+        </p:nvSpPr>
+        <p:spPr>
+          <a:xfrm>
+            <a:off x="1847819" y="1339436"/>
+            <a:ext cx="8291264" cy="4105834"/>
+          </a:xfrm>
+          <a:prstGeom prst="rect">
+            <a:avLst/>
+          </a:prstGeom>
+        </p:spPr>
+        <p:txBody>
+          <a:bodyPr vert="horz" lIns="91440" tIns="45720" rIns="91440" bIns="45720" rtlCol="0">
+            <a:normAutofit fontScale="92500" lnSpcReduction="10000"/>
+          </a:bodyPr>
+          <a:lstStyle>
+            <a:lvl1pPr marL="0" indent="0" algn="ctr" defTabSz="914400" rtl="0" eaLnBrk="1" latinLnBrk="0" hangingPunct="1">
+              <a:lnSpc>
+                <a:spcPct val="90000"/>
+              </a:lnSpc>
+              <a:spcBef>
+                <a:spcPts val="1000"/>
+              </a:spcBef>
+              <a:buFont typeface="Arial" panose="020B0604020202020204" pitchFamily="34" charset="0"/>
+              <a:buNone/>
+              <a:defRPr sz="2400" kern="1200">
+                <a:solidFill>
+                  <a:schemeClr val="tx1"/>
+                </a:solidFill>
+                <a:latin typeface="+mn-lt"/>
+                <a:ea typeface="+mn-ea"/>
+                <a:cs typeface="+mn-cs"/>
+              </a:defRPr>
+            </a:lvl1pPr>
+            <a:lvl2pPr marL="457200" indent="0" algn="ctr" defTabSz="914400" rtl="0" eaLnBrk="1" latinLnBrk="0" hangingPunct="1">
+              <a:lnSpc>
+                <a:spcPct val="90000"/>
+              </a:lnSpc>
+              <a:spcBef>
+                <a:spcPts val="500"/>
+              </a:spcBef>
+              <a:buFont typeface="Arial" panose="020B0604020202020204" pitchFamily="34" charset="0"/>
+              <a:buNone/>
+              <a:defRPr sz="2000" kern="1200">
+                <a:solidFill>
+                  <a:schemeClr val="tx1"/>
+                </a:solidFill>
+                <a:latin typeface="+mn-lt"/>
+                <a:ea typeface="+mn-ea"/>
+                <a:cs typeface="+mn-cs"/>
+              </a:defRPr>
+            </a:lvl2pPr>
+            <a:lvl3pPr marL="914400" indent="0" algn="ctr" defTabSz="914400" rtl="0" eaLnBrk="1" latinLnBrk="0" hangingPunct="1">
+              <a:lnSpc>
+                <a:spcPct val="90000"/>
+              </a:lnSpc>
+              <a:spcBef>
+                <a:spcPts val="500"/>
+              </a:spcBef>
+              <a:buFont typeface="Arial" panose="020B0604020202020204" pitchFamily="34" charset="0"/>
+              <a:buNone/>
+              <a:defRPr sz="1800" kern="1200">
+                <a:solidFill>
+                  <a:schemeClr val="tx1"/>
+                </a:solidFill>
+                <a:latin typeface="+mn-lt"/>
+                <a:ea typeface="+mn-ea"/>
+                <a:cs typeface="+mn-cs"/>
+              </a:defRPr>
+            </a:lvl3pPr>
+            <a:lvl4pPr marL="1371600" indent="0" algn="ctr" defTabSz="914400" rtl="0" eaLnBrk="1" latinLnBrk="0" hangingPunct="1">
+              <a:lnSpc>
+                <a:spcPct val="90000"/>
+              </a:lnSpc>
+              <a:spcBef>
+                <a:spcPts val="500"/>
+              </a:spcBef>
+              <a:buFont typeface="Arial" panose="020B0604020202020204" pitchFamily="34" charset="0"/>
+              <a:buNone/>
+              <a:defRPr sz="1600" kern="1200">
+                <a:solidFill>
+                  <a:schemeClr val="tx1"/>
+                </a:solidFill>
+                <a:latin typeface="+mn-lt"/>
+                <a:ea typeface="+mn-ea"/>
+                <a:cs typeface="+mn-cs"/>
+              </a:defRPr>
+            </a:lvl4pPr>
+            <a:lvl5pPr marL="1828800" indent="0" algn="ctr" defTabSz="914400" rtl="0" eaLnBrk="1" latinLnBrk="0" hangingPunct="1">
+              <a:lnSpc>
+                <a:spcPct val="90000"/>
+              </a:lnSpc>
+              <a:spcBef>
+                <a:spcPts val="500"/>
+              </a:spcBef>
+              <a:buFont typeface="Arial" panose="020B0604020202020204" pitchFamily="34" charset="0"/>
+              <a:buNone/>
+              <a:defRPr sz="1600" kern="1200">
+                <a:solidFill>
+                  <a:schemeClr val="tx1"/>
+                </a:solidFill>
+                <a:latin typeface="+mn-lt"/>
+                <a:ea typeface="+mn-ea"/>
+                <a:cs typeface="+mn-cs"/>
+              </a:defRPr>
+            </a:lvl5pPr>
+            <a:lvl6pPr marL="2286000" indent="0" algn="ctr" defTabSz="914400" rtl="0" eaLnBrk="1" latinLnBrk="0" hangingPunct="1">
+              <a:lnSpc>
+                <a:spcPct val="90000"/>
+              </a:lnSpc>
+              <a:spcBef>
+                <a:spcPts val="500"/>
+              </a:spcBef>
+              <a:buFont typeface="Arial" panose="020B0604020202020204" pitchFamily="34" charset="0"/>
+              <a:buNone/>
+              <a:defRPr sz="1600" kern="1200">
+                <a:solidFill>
+                  <a:schemeClr val="tx1"/>
+                </a:solidFill>
+                <a:latin typeface="+mn-lt"/>
+                <a:ea typeface="+mn-ea"/>
+                <a:cs typeface="+mn-cs"/>
+              </a:defRPr>
+            </a:lvl6pPr>
+            <a:lvl7pPr marL="2743200" indent="0" algn="ctr" defTabSz="914400" rtl="0" eaLnBrk="1" latinLnBrk="0" hangingPunct="1">
+              <a:lnSpc>
+                <a:spcPct val="90000"/>
+              </a:lnSpc>
+              <a:spcBef>
+                <a:spcPts val="500"/>
+              </a:spcBef>
+              <a:buFont typeface="Arial" panose="020B0604020202020204" pitchFamily="34" charset="0"/>
+              <a:buNone/>
+              <a:defRPr sz="1600" kern="1200">
+                <a:solidFill>
+                  <a:schemeClr val="tx1"/>
+                </a:solidFill>
+                <a:latin typeface="+mn-lt"/>
+                <a:ea typeface="+mn-ea"/>
+                <a:cs typeface="+mn-cs"/>
+              </a:defRPr>
+            </a:lvl7pPr>
+            <a:lvl8pPr marL="3200400" indent="0" algn="ctr" defTabSz="914400" rtl="0" eaLnBrk="1" latinLnBrk="0" hangingPunct="1">
+              <a:lnSpc>
+                <a:spcPct val="90000"/>
+              </a:lnSpc>
+              <a:spcBef>
+                <a:spcPts val="500"/>
+              </a:spcBef>
+              <a:buFont typeface="Arial" panose="020B0604020202020204" pitchFamily="34" charset="0"/>
+              <a:buNone/>
+              <a:defRPr sz="1600" kern="1200">
+                <a:solidFill>
+                  <a:schemeClr val="tx1"/>
+                </a:solidFill>
+                <a:latin typeface="+mn-lt"/>
+                <a:ea typeface="+mn-ea"/>
+                <a:cs typeface="+mn-cs"/>
+              </a:defRPr>
+            </a:lvl8pPr>
+            <a:lvl9pPr marL="3657600" indent="0" algn="ctr" defTabSz="914400" rtl="0" eaLnBrk="1" latinLnBrk="0" hangingPunct="1">
+              <a:lnSpc>
+                <a:spcPct val="90000"/>
+              </a:lnSpc>
+              <a:spcBef>
+                <a:spcPts val="500"/>
+              </a:spcBef>
+              <a:buFont typeface="Arial" panose="020B0604020202020204" pitchFamily="34" charset="0"/>
+              <a:buNone/>
+              <a:defRPr sz="1600" kern="1200">
+                <a:solidFill>
+                  <a:schemeClr val="tx1"/>
+                </a:solidFill>
+                <a:latin typeface="+mn-lt"/>
+                <a:ea typeface="+mn-ea"/>
+                <a:cs typeface="+mn-cs"/>
+              </a:defRPr>
+            </a:lvl9pPr>
+          </a:lstStyle>
+          <a:p>
+            <a:pPr marL="342900" indent="-342900" algn="just">
+              <a:spcAft>
+                <a:spcPts val="2400"/>
+              </a:spcAft>
+              <a:buFont typeface="Wingdings" panose="05000000000000000000" pitchFamily="2" charset="2"/>
+              <a:buChar char="§"/>
+            </a:pPr>
+            <a:r>
+              <a:rPr lang="bg-BG" sz="3200" dirty="0"/>
+              <a:t>Отворен код.</a:t>
+            </a:r>
+          </a:p>
+          <a:p>
+            <a:pPr marL="342900" indent="-342900" algn="just">
+              <a:spcAft>
+                <a:spcPts val="2400"/>
+              </a:spcAft>
+              <a:buFont typeface="Wingdings" panose="05000000000000000000" pitchFamily="2" charset="2"/>
+              <a:buChar char="§"/>
+            </a:pPr>
+            <a:r>
+              <a:rPr lang="bg-BG" sz="3200" dirty="0"/>
+              <a:t>Възможност за лесно добавяне на нови сензори</a:t>
+            </a:r>
+            <a:r>
+              <a:rPr lang="en-US" sz="3200" dirty="0"/>
+              <a:t> </a:t>
+            </a:r>
+            <a:r>
+              <a:rPr lang="bg-BG" sz="3200" dirty="0"/>
+              <a:t>и достъп до пълните данни в суров вид.</a:t>
+            </a:r>
+          </a:p>
+          <a:p>
+            <a:pPr marL="342900" indent="-342900" algn="just">
+              <a:spcAft>
+                <a:spcPts val="2400"/>
+              </a:spcAft>
+              <a:buFont typeface="Wingdings" panose="05000000000000000000" pitchFamily="2" charset="2"/>
+              <a:buChar char="§"/>
+            </a:pPr>
+            <a:r>
+              <a:rPr lang="bg-BG" sz="3200" dirty="0"/>
+              <a:t>Не е необходимо да се монтират датчици по тялото на спящия.</a:t>
+            </a:r>
+          </a:p>
+          <a:p>
+            <a:pPr marL="342900" indent="-342900" algn="just">
+              <a:spcAft>
+                <a:spcPts val="2400"/>
+              </a:spcAft>
+              <a:buFont typeface="Wingdings" panose="05000000000000000000" pitchFamily="2" charset="2"/>
+              <a:buChar char="§"/>
+            </a:pPr>
+            <a:r>
+              <a:rPr lang="bg-BG" sz="3200" dirty="0"/>
+              <a:t>Ниска цена и лесна изработка.</a:t>
+            </a:r>
+          </a:p>
+        </p:txBody>
+      </p:sp>
+    </p:spTree>
+    <p:extLst>
+      <p:ext uri="{BB962C8B-B14F-4D97-AF65-F5344CB8AC3E}">
+        <p14:creationId xmlns:p14="http://schemas.microsoft.com/office/powerpoint/2010/main" val="1212157711"/>
+      </p:ext>
+    </p:extLst>
+  </p:cSld>
+  <p:clrMapOvr>
+    <a:masterClrMapping/>
+  </p:clrMapOvr>
+</p:sld>
+</file>
+
+<file path=ppt/slides/slide12.xml><?xml version="1.0" encoding="utf-8"?>
+<p:sld xmlns:a="http://schemas.openxmlformats.org/drawingml/2006/main" xmlns:r="http://schemas.openxmlformats.org/officeDocument/2006/relationships" xmlns:p="http://schemas.openxmlformats.org/presentationml/2006/main">
+  <p:cSld>
+    <p:spTree>
+      <p:nvGrpSpPr>
+        <p:cNvPr id="1" name=""/>
+        <p:cNvGrpSpPr/>
+        <p:nvPr/>
+      </p:nvGrpSpPr>
+      <p:grpSpPr>
+        <a:xfrm>
+          <a:off x="0" y="0"/>
+          <a:ext cx="0" cy="0"/>
+          <a:chOff x="0" y="0"/>
+          <a:chExt cx="0" cy="0"/>
+        </a:xfrm>
+      </p:grpSpPr>
       <p:pic>
         <p:nvPicPr>
           <p:cNvPr id="2056" name="Picture 8" descr="Related image">
@@ -3779,8 +4464,8 @@
         </p:nvSpPr>
         <p:spPr>
           <a:xfrm>
-            <a:off x="1853967" y="1376082"/>
-            <a:ext cx="7803487" cy="4471045"/>
+            <a:off x="1207791" y="1164513"/>
+            <a:ext cx="9259041" cy="4994238"/>
           </a:xfrm>
           <a:prstGeom prst="rect">
             <a:avLst/>
@@ -3957,7 +4642,7 @@
           <a:p>
             <a:pPr marL="571500" indent="-571500" algn="just">
               <a:spcAft>
-                <a:spcPts val="7200"/>
+                <a:spcPts val="2400"/>
               </a:spcAft>
               <a:buFont typeface="Wingdings" panose="05000000000000000000" pitchFamily="2" charset="2"/>
               <a:buChar char="§"/>
@@ -3974,15 +4659,7 @@
             </a:pPr>
             <a:r>
               <a:rPr lang="bg-BG" sz="3600" dirty="0"/>
-              <a:t>Създаване на </a:t>
-            </a:r>
-            <a:r>
-              <a:rPr lang="bg-BG" sz="3600" dirty="0" err="1"/>
-              <a:t>web</a:t>
-            </a:r>
-            <a:r>
-              <a:rPr lang="bg-BG" sz="3600" dirty="0"/>
-              <a:t> сайт.</a:t>
+              <a:t>Създаване на web сайт и мобилно приложение</a:t>
             </a:r>
             <a:endParaRPr lang="bg-BG" sz="2800" dirty="0"/>
           </a:p>
@@ -3993,7 +4670,7 @@
             </a:pPr>
             <a:r>
               <a:rPr lang="bg-BG" dirty="0"/>
-              <a:t>Свързване на дневните дейности със съня (задават се няколко въпроса)</a:t>
+              <a:t>Свързване на дневните дейности със съня и намиране на връзка между начина на живот и качеството на съня.</a:t>
             </a:r>
           </a:p>
           <a:p>
@@ -4003,7 +4680,7 @@
             </a:pPr>
             <a:r>
               <a:rPr lang="bg-BG" dirty="0"/>
-              <a:t>Опция за нощно тефтерче.</a:t>
+              <a:t>Допълнителни записки за съня от потребителя</a:t>
             </a:r>
           </a:p>
           <a:p>
@@ -4013,7 +4690,7 @@
             </a:pPr>
             <a:r>
               <a:rPr lang="bg-BG" dirty="0"/>
-              <a:t>Оценка на съня за дълъг период от време.</a:t>
+              <a:t>Оценка на съня за дълъг период от време и откриване на тенденции (напр. подобряване или влошаване на съня)</a:t>
             </a:r>
           </a:p>
           <a:p>
@@ -4023,7 +4700,7 @@
             </a:pPr>
             <a:r>
               <a:rPr lang="bg-BG" dirty="0"/>
-              <a:t>Съобщаване за проблеми със съня.</a:t>
+              <a:t>Автоматично откриване на резки смущения в съня (напр. сънна апнея)</a:t>
             </a:r>
           </a:p>
         </p:txBody>
@@ -4041,7 +4718,7 @@
 </p:sld>
 </file>
 
-<file path=ppt/slides/slide11.xml><?xml version="1.0" encoding="utf-8"?>
+<file path=ppt/slides/slide13.xml><?xml version="1.0" encoding="utf-8"?>
 <p:sld xmlns:a="http://schemas.openxmlformats.org/drawingml/2006/main" xmlns:r="http://schemas.openxmlformats.org/officeDocument/2006/relationships" xmlns:p="http://schemas.openxmlformats.org/presentationml/2006/main">
   <p:cSld>
     <p:spTree>
@@ -4802,10 +5479,10 @@
       </p:grpSpPr>
       <p:pic>
         <p:nvPicPr>
-          <p:cNvPr id="11" name="Picture 8" descr="Related image">
-            <a:extLst>
-              <a:ext uri="{FF2B5EF4-FFF2-40B4-BE49-F238E27FC236}">
-                <a16:creationId xmlns:a16="http://schemas.microsoft.com/office/drawing/2014/main" id="{308446BC-706E-4463-869C-2BB7C52593C0}"/>
+          <p:cNvPr id="2056" name="Picture 8" descr="Related image">
+            <a:extLst>
+              <a:ext uri="{FF2B5EF4-FFF2-40B4-BE49-F238E27FC236}">
+                <a16:creationId xmlns:a16="http://schemas.microsoft.com/office/drawing/2014/main" id="{C78DFF66-22DE-4540-BC8C-C99D9DEDC41A}"/>
               </a:ext>
             </a:extLst>
           </p:cNvPr>
@@ -4826,8 +5503,8 @@
           <a:stretch/>
         </p:blipFill>
         <p:spPr bwMode="auto">
-          <a:xfrm rot="10800000">
-            <a:off x="8086166" y="-2"/>
+          <a:xfrm rot="16200000">
+            <a:off x="7059708" y="1725707"/>
             <a:ext cx="4105834" cy="6158751"/>
           </a:xfrm>
           <a:prstGeom prst="rect">
@@ -4847,10 +5524,10 @@
       </p:pic>
       <p:pic>
         <p:nvPicPr>
-          <p:cNvPr id="2056" name="Picture 8" descr="Related image">
-            <a:extLst>
-              <a:ext uri="{FF2B5EF4-FFF2-40B4-BE49-F238E27FC236}">
-                <a16:creationId xmlns:a16="http://schemas.microsoft.com/office/drawing/2014/main" id="{C78DFF66-22DE-4540-BC8C-C99D9DEDC41A}"/>
+          <p:cNvPr id="11" name="Picture 8" descr="Related image">
+            <a:extLst>
+              <a:ext uri="{FF2B5EF4-FFF2-40B4-BE49-F238E27FC236}">
+                <a16:creationId xmlns:a16="http://schemas.microsoft.com/office/drawing/2014/main" id="{308446BC-706E-4463-869C-2BB7C52593C0}"/>
               </a:ext>
             </a:extLst>
           </p:cNvPr>
@@ -4871,8 +5548,8 @@
           <a:stretch/>
         </p:blipFill>
         <p:spPr bwMode="auto">
-          <a:xfrm rot="16200000">
-            <a:off x="7059708" y="1725707"/>
+          <a:xfrm rot="10800000">
+            <a:off x="8086166" y="0"/>
             <a:ext cx="4105834" cy="6158751"/>
           </a:xfrm>
           <a:prstGeom prst="rect">
@@ -4942,19 +5619,8 @@
                 <a:latin typeface="Times New Roman" panose="02020603050405020304" pitchFamily="18" charset="0"/>
                 <a:cs typeface="Times New Roman" panose="02020603050405020304" pitchFamily="18" charset="0"/>
               </a:rPr>
-              <a:t>Що е </a:t>
-            </a:r>
-            <a:r>
-              <a:rPr lang="en-US" b="1" dirty="0">
-                <a:latin typeface="Times New Roman" panose="02020603050405020304" pitchFamily="18" charset="0"/>
-                <a:cs typeface="Times New Roman" panose="02020603050405020304" pitchFamily="18" charset="0"/>
-              </a:rPr>
-              <a:t>sleeper?</a:t>
-            </a:r>
-            <a:endParaRPr lang="bg-BG" b="1" dirty="0">
-              <a:latin typeface="Times New Roman" panose="02020603050405020304" pitchFamily="18" charset="0"/>
-              <a:cs typeface="Times New Roman" panose="02020603050405020304" pitchFamily="18" charset="0"/>
-            </a:endParaRPr>
+              <a:t>Проблем</a:t>
+            </a:r>
           </a:p>
         </p:txBody>
       </p:sp>
@@ -4963,7 +5629,7 @@
           <p:cNvPr id="6" name="Контейнер за съдържание 8">
             <a:extLst>
               <a:ext uri="{FF2B5EF4-FFF2-40B4-BE49-F238E27FC236}">
-                <a16:creationId xmlns:a16="http://schemas.microsoft.com/office/drawing/2014/main" id="{88C6111A-CC56-4E2F-9E10-4F498EA3EDCE}"/>
+                <a16:creationId xmlns:a16="http://schemas.microsoft.com/office/drawing/2014/main" id="{47C2FCB4-E973-414F-AF48-4C8DAF1A4CEA}"/>
               </a:ext>
             </a:extLst>
           </p:cNvPr>
@@ -4974,8 +5640,8 @@
         </p:nvSpPr>
         <p:spPr>
           <a:xfrm>
-            <a:off x="5890559" y="1449950"/>
-            <a:ext cx="3910264" cy="4372440"/>
+            <a:off x="1887617" y="1519335"/>
+            <a:ext cx="8291264" cy="4105835"/>
           </a:xfrm>
           <a:prstGeom prst="rect">
             <a:avLst/>
@@ -5150,109 +5816,244 @@
             </a:lvl9pPr>
           </a:lstStyle>
           <a:p>
-            <a:pPr marL="571500" indent="-571500" algn="just">
-              <a:spcBef>
-                <a:spcPts val="600"/>
-              </a:spcBef>
+            <a:pPr marL="342900" indent="-342900" algn="just">
               <a:spcAft>
-                <a:spcPts val="10200"/>
+                <a:spcPts val="3600"/>
               </a:spcAft>
               <a:buFont typeface="Wingdings" panose="05000000000000000000" pitchFamily="2" charset="2"/>
               <a:buChar char="§"/>
             </a:pPr>
-            <a:r>
-              <a:rPr lang="bg-BG" sz="3600" dirty="0"/>
-              <a:t>Хардуерна част.</a:t>
-            </a:r>
-            <a:endParaRPr lang="en-US" sz="3600" dirty="0"/>
-          </a:p>
-          <a:p>
-            <a:pPr marL="571500" indent="-571500" algn="just">
-              <a:spcBef>
-                <a:spcPts val="600"/>
-              </a:spcBef>
-              <a:spcAft>
-                <a:spcPts val="10200"/>
-              </a:spcAft>
-              <a:buFont typeface="Wingdings" panose="05000000000000000000" pitchFamily="2" charset="2"/>
-              <a:buChar char="§"/>
-            </a:pPr>
-            <a:r>
-              <a:rPr lang="bg-BG" sz="3600" dirty="0"/>
-              <a:t>Софтуерна част.</a:t>
-            </a:r>
-          </a:p>
-          <a:p>
-            <a:pPr algn="just"/>
-            <a:endParaRPr lang="bg-BG" dirty="0"/>
+            <a:endParaRPr lang="bg-BG" sz="4000" dirty="0"/>
           </a:p>
         </p:txBody>
       </p:sp>
-      <p:pic>
-        <p:nvPicPr>
-          <p:cNvPr id="10242" name="Picture 1">
-            <a:extLst>
-              <a:ext uri="{FF2B5EF4-FFF2-40B4-BE49-F238E27FC236}">
-                <a16:creationId xmlns:a16="http://schemas.microsoft.com/office/drawing/2014/main" id="{99F3D406-FA56-4F0C-8DFF-4C8FFFFD80BA}"/>
-              </a:ext>
-            </a:extLst>
-          </p:cNvPr>
-          <p:cNvPicPr>
-            <a:picLocks noChangeAspect="1" noChangeArrowheads="1"/>
-          </p:cNvPicPr>
+      <p:sp>
+        <p:nvSpPr>
+          <p:cNvPr id="12" name="Контейнер за съдържание 8">
+            <a:extLst>
+              <a:ext uri="{FF2B5EF4-FFF2-40B4-BE49-F238E27FC236}">
+                <a16:creationId xmlns:a16="http://schemas.microsoft.com/office/drawing/2014/main" id="{292B6B59-C17C-473E-8E69-EAABB869BED2}"/>
+              </a:ext>
+            </a:extLst>
+          </p:cNvPr>
+          <p:cNvSpPr txBox="1">
+            <a:spLocks/>
+          </p:cNvSpPr>
           <p:nvPr/>
-        </p:nvPicPr>
-        <p:blipFill>
-          <a:blip r:embed="rId3">
-            <a:lum bright="20000"/>
-            <a:extLst>
-              <a:ext uri="{28A0092B-C50C-407E-A947-70E740481C1C}">
-                <a14:useLocalDpi xmlns:a14="http://schemas.microsoft.com/office/drawing/2010/main" val="0"/>
-              </a:ext>
-            </a:extLst>
-          </a:blip>
-          <a:srcRect/>
-          <a:stretch>
-            <a:fillRect/>
-          </a:stretch>
-        </p:blipFill>
-        <p:spPr bwMode="auto">
+        </p:nvSpPr>
+        <p:spPr>
           <a:xfrm>
-            <a:off x="540600" y="1471950"/>
-            <a:ext cx="5095842" cy="4350440"/>
+            <a:off x="1501251" y="1374358"/>
+            <a:ext cx="8291264" cy="4627197"/>
           </a:xfrm>
           <a:prstGeom prst="rect">
             <a:avLst/>
           </a:prstGeom>
-          <a:noFill/>
-          <a:ln>
-            <a:noFill/>
-          </a:ln>
-          <a:extLst>
-            <a:ext uri="{909E8E84-426E-40DD-AFC4-6F175D3DCCD1}">
-              <a14:hiddenFill xmlns:a14="http://schemas.microsoft.com/office/drawing/2010/main">
-                <a:solidFill>
-                  <a:srgbClr val="FFFFFF"/>
-                </a:solidFill>
-              </a14:hiddenFill>
-            </a:ext>
-            <a:ext uri="{91240B29-F687-4F45-9708-019B960494DF}">
-              <a14:hiddenLine xmlns:a14="http://schemas.microsoft.com/office/drawing/2010/main" w="9525">
-                <a:solidFill>
-                  <a:srgbClr val="000000"/>
-                </a:solidFill>
-                <a:miter lim="800000"/>
-                <a:headEnd/>
-                <a:tailEnd/>
-              </a14:hiddenLine>
-            </a:ext>
-          </a:extLst>
         </p:spPr>
-      </p:pic>
+        <p:txBody>
+          <a:bodyPr vert="horz" lIns="91440" tIns="45720" rIns="91440" bIns="45720" rtlCol="0">
+            <a:normAutofit/>
+          </a:bodyPr>
+          <a:lstStyle>
+            <a:lvl1pPr marL="0" indent="0" algn="ctr" defTabSz="914400" rtl="0" eaLnBrk="1" latinLnBrk="0" hangingPunct="1">
+              <a:lnSpc>
+                <a:spcPct val="90000"/>
+              </a:lnSpc>
+              <a:spcBef>
+                <a:spcPts val="1000"/>
+              </a:spcBef>
+              <a:buFont typeface="Arial" panose="020B0604020202020204" pitchFamily="34" charset="0"/>
+              <a:buNone/>
+              <a:defRPr sz="2400" kern="1200">
+                <a:solidFill>
+                  <a:schemeClr val="tx1"/>
+                </a:solidFill>
+                <a:latin typeface="+mn-lt"/>
+                <a:ea typeface="+mn-ea"/>
+                <a:cs typeface="+mn-cs"/>
+              </a:defRPr>
+            </a:lvl1pPr>
+            <a:lvl2pPr marL="457200" indent="0" algn="ctr" defTabSz="914400" rtl="0" eaLnBrk="1" latinLnBrk="0" hangingPunct="1">
+              <a:lnSpc>
+                <a:spcPct val="90000"/>
+              </a:lnSpc>
+              <a:spcBef>
+                <a:spcPts val="500"/>
+              </a:spcBef>
+              <a:buFont typeface="Arial" panose="020B0604020202020204" pitchFamily="34" charset="0"/>
+              <a:buNone/>
+              <a:defRPr sz="2000" kern="1200">
+                <a:solidFill>
+                  <a:schemeClr val="tx1"/>
+                </a:solidFill>
+                <a:latin typeface="+mn-lt"/>
+                <a:ea typeface="+mn-ea"/>
+                <a:cs typeface="+mn-cs"/>
+              </a:defRPr>
+            </a:lvl2pPr>
+            <a:lvl3pPr marL="914400" indent="0" algn="ctr" defTabSz="914400" rtl="0" eaLnBrk="1" latinLnBrk="0" hangingPunct="1">
+              <a:lnSpc>
+                <a:spcPct val="90000"/>
+              </a:lnSpc>
+              <a:spcBef>
+                <a:spcPts val="500"/>
+              </a:spcBef>
+              <a:buFont typeface="Arial" panose="020B0604020202020204" pitchFamily="34" charset="0"/>
+              <a:buNone/>
+              <a:defRPr sz="1800" kern="1200">
+                <a:solidFill>
+                  <a:schemeClr val="tx1"/>
+                </a:solidFill>
+                <a:latin typeface="+mn-lt"/>
+                <a:ea typeface="+mn-ea"/>
+                <a:cs typeface="+mn-cs"/>
+              </a:defRPr>
+            </a:lvl3pPr>
+            <a:lvl4pPr marL="1371600" indent="0" algn="ctr" defTabSz="914400" rtl="0" eaLnBrk="1" latinLnBrk="0" hangingPunct="1">
+              <a:lnSpc>
+                <a:spcPct val="90000"/>
+              </a:lnSpc>
+              <a:spcBef>
+                <a:spcPts val="500"/>
+              </a:spcBef>
+              <a:buFont typeface="Arial" panose="020B0604020202020204" pitchFamily="34" charset="0"/>
+              <a:buNone/>
+              <a:defRPr sz="1600" kern="1200">
+                <a:solidFill>
+                  <a:schemeClr val="tx1"/>
+                </a:solidFill>
+                <a:latin typeface="+mn-lt"/>
+                <a:ea typeface="+mn-ea"/>
+                <a:cs typeface="+mn-cs"/>
+              </a:defRPr>
+            </a:lvl4pPr>
+            <a:lvl5pPr marL="1828800" indent="0" algn="ctr" defTabSz="914400" rtl="0" eaLnBrk="1" latinLnBrk="0" hangingPunct="1">
+              <a:lnSpc>
+                <a:spcPct val="90000"/>
+              </a:lnSpc>
+              <a:spcBef>
+                <a:spcPts val="500"/>
+              </a:spcBef>
+              <a:buFont typeface="Arial" panose="020B0604020202020204" pitchFamily="34" charset="0"/>
+              <a:buNone/>
+              <a:defRPr sz="1600" kern="1200">
+                <a:solidFill>
+                  <a:schemeClr val="tx1"/>
+                </a:solidFill>
+                <a:latin typeface="+mn-lt"/>
+                <a:ea typeface="+mn-ea"/>
+                <a:cs typeface="+mn-cs"/>
+              </a:defRPr>
+            </a:lvl5pPr>
+            <a:lvl6pPr marL="2286000" indent="0" algn="ctr" defTabSz="914400" rtl="0" eaLnBrk="1" latinLnBrk="0" hangingPunct="1">
+              <a:lnSpc>
+                <a:spcPct val="90000"/>
+              </a:lnSpc>
+              <a:spcBef>
+                <a:spcPts val="500"/>
+              </a:spcBef>
+              <a:buFont typeface="Arial" panose="020B0604020202020204" pitchFamily="34" charset="0"/>
+              <a:buNone/>
+              <a:defRPr sz="1600" kern="1200">
+                <a:solidFill>
+                  <a:schemeClr val="tx1"/>
+                </a:solidFill>
+                <a:latin typeface="+mn-lt"/>
+                <a:ea typeface="+mn-ea"/>
+                <a:cs typeface="+mn-cs"/>
+              </a:defRPr>
+            </a:lvl6pPr>
+            <a:lvl7pPr marL="2743200" indent="0" algn="ctr" defTabSz="914400" rtl="0" eaLnBrk="1" latinLnBrk="0" hangingPunct="1">
+              <a:lnSpc>
+                <a:spcPct val="90000"/>
+              </a:lnSpc>
+              <a:spcBef>
+                <a:spcPts val="500"/>
+              </a:spcBef>
+              <a:buFont typeface="Arial" panose="020B0604020202020204" pitchFamily="34" charset="0"/>
+              <a:buNone/>
+              <a:defRPr sz="1600" kern="1200">
+                <a:solidFill>
+                  <a:schemeClr val="tx1"/>
+                </a:solidFill>
+                <a:latin typeface="+mn-lt"/>
+                <a:ea typeface="+mn-ea"/>
+                <a:cs typeface="+mn-cs"/>
+              </a:defRPr>
+            </a:lvl7pPr>
+            <a:lvl8pPr marL="3200400" indent="0" algn="ctr" defTabSz="914400" rtl="0" eaLnBrk="1" latinLnBrk="0" hangingPunct="1">
+              <a:lnSpc>
+                <a:spcPct val="90000"/>
+              </a:lnSpc>
+              <a:spcBef>
+                <a:spcPts val="500"/>
+              </a:spcBef>
+              <a:buFont typeface="Arial" panose="020B0604020202020204" pitchFamily="34" charset="0"/>
+              <a:buNone/>
+              <a:defRPr sz="1600" kern="1200">
+                <a:solidFill>
+                  <a:schemeClr val="tx1"/>
+                </a:solidFill>
+                <a:latin typeface="+mn-lt"/>
+                <a:ea typeface="+mn-ea"/>
+                <a:cs typeface="+mn-cs"/>
+              </a:defRPr>
+            </a:lvl8pPr>
+            <a:lvl9pPr marL="3657600" indent="0" algn="ctr" defTabSz="914400" rtl="0" eaLnBrk="1" latinLnBrk="0" hangingPunct="1">
+              <a:lnSpc>
+                <a:spcPct val="90000"/>
+              </a:lnSpc>
+              <a:spcBef>
+                <a:spcPts val="500"/>
+              </a:spcBef>
+              <a:buFont typeface="Arial" panose="020B0604020202020204" pitchFamily="34" charset="0"/>
+              <a:buNone/>
+              <a:defRPr sz="1600" kern="1200">
+                <a:solidFill>
+                  <a:schemeClr val="tx1"/>
+                </a:solidFill>
+                <a:latin typeface="+mn-lt"/>
+                <a:ea typeface="+mn-ea"/>
+                <a:cs typeface="+mn-cs"/>
+              </a:defRPr>
+            </a:lvl9pPr>
+          </a:lstStyle>
+          <a:p>
+            <a:pPr marL="571500" indent="-571500" algn="just">
+              <a:buFont typeface="Wingdings" panose="05000000000000000000" pitchFamily="2" charset="2"/>
+              <a:buChar char="§"/>
+            </a:pPr>
+            <a:r>
+              <a:rPr lang="bg-BG" sz="3600" dirty="0"/>
+              <a:t>Трудно събуждане и хронична умора сутрин, причинени от неспокойният и некачествен сън. </a:t>
+            </a:r>
+          </a:p>
+          <a:p>
+            <a:pPr marL="571500" indent="-571500" algn="just">
+              <a:buFont typeface="Wingdings" panose="05000000000000000000" pitchFamily="2" charset="2"/>
+              <a:buChar char="§"/>
+            </a:pPr>
+            <a:r>
+              <a:rPr lang="bg-BG" sz="3600" dirty="0"/>
+              <a:t>Независимо от продължителността на съня, човек няма гаранция, че ще се събуди бодър и свеж.</a:t>
+            </a:r>
+          </a:p>
+          <a:p>
+            <a:pPr marL="571500" indent="-571500" algn="just">
+              <a:buFont typeface="Wingdings" panose="05000000000000000000" pitchFamily="2" charset="2"/>
+              <a:buChar char="§"/>
+            </a:pPr>
+            <a:r>
+              <a:rPr lang="bg-BG" sz="3600" dirty="0"/>
+              <a:t>Проблемът е, че никой не може да се самонаблюдава по време на сън.</a:t>
+            </a:r>
+          </a:p>
+        </p:txBody>
+      </p:sp>
     </p:spTree>
     <p:extLst>
       <p:ext uri="{BB962C8B-B14F-4D97-AF65-F5344CB8AC3E}">
-        <p14:creationId xmlns:p14="http://schemas.microsoft.com/office/powerpoint/2010/main" val="140509121"/>
+        <p14:creationId xmlns:p14="http://schemas.microsoft.com/office/powerpoint/2010/main" val="1063331244"/>
       </p:ext>
     </p:extLst>
   </p:cSld>
@@ -5451,7 +6252,7 @@
         </p:spPr>
         <p:txBody>
           <a:bodyPr vert="horz" lIns="91440" tIns="45720" rIns="91440" bIns="45720" rtlCol="0">
-            <a:normAutofit fontScale="92500" lnSpcReduction="20000"/>
+            <a:normAutofit/>
           </a:bodyPr>
           <a:lstStyle>
             <a:lvl1pPr marL="0" indent="0" algn="ctr" defTabSz="914400" rtl="0" eaLnBrk="1" latinLnBrk="0" hangingPunct="1">
@@ -5620,39 +6421,39 @@
           <a:p>
             <a:pPr marL="342900" indent="-342900" algn="just">
               <a:spcAft>
-                <a:spcPts val="10200"/>
+                <a:spcPts val="3600"/>
               </a:spcAft>
               <a:buFont typeface="Wingdings" panose="05000000000000000000" pitchFamily="2" charset="2"/>
               <a:buChar char="§"/>
             </a:pPr>
             <a:r>
-              <a:rPr lang="bg-BG" sz="3600" dirty="0"/>
+              <a:rPr lang="bg-BG" sz="4000" dirty="0"/>
               <a:t>Следене и анализиране съня.</a:t>
             </a:r>
           </a:p>
           <a:p>
             <a:pPr marL="342900" indent="-342900" algn="just">
               <a:spcAft>
-                <a:spcPts val="10200"/>
+                <a:spcPts val="3600"/>
               </a:spcAft>
               <a:buFont typeface="Wingdings" panose="05000000000000000000" pitchFamily="2" charset="2"/>
               <a:buChar char="§"/>
             </a:pPr>
             <a:r>
-              <a:rPr lang="bg-BG" sz="3600" dirty="0"/>
+              <a:rPr lang="bg-BG" sz="4000" dirty="0"/>
               <a:t>Ниска цена.</a:t>
             </a:r>
           </a:p>
           <a:p>
             <a:pPr marL="342900" indent="-342900" algn="just">
               <a:spcAft>
-                <a:spcPts val="10200"/>
+                <a:spcPts val="3600"/>
               </a:spcAft>
               <a:buFont typeface="Wingdings" panose="05000000000000000000" pitchFamily="2" charset="2"/>
               <a:buChar char="§"/>
             </a:pPr>
             <a:r>
-              <a:rPr lang="bg-BG" sz="3600" dirty="0"/>
+              <a:rPr lang="bg-BG" sz="4000" dirty="0"/>
               <a:t>Проста изработка. </a:t>
             </a:r>
           </a:p>
@@ -5887,6 +6688,485 @@
       </p:grpSpPr>
       <p:pic>
         <p:nvPicPr>
+          <p:cNvPr id="11" name="Picture 8" descr="Related image">
+            <a:extLst>
+              <a:ext uri="{FF2B5EF4-FFF2-40B4-BE49-F238E27FC236}">
+                <a16:creationId xmlns:a16="http://schemas.microsoft.com/office/drawing/2014/main" id="{308446BC-706E-4463-869C-2BB7C52593C0}"/>
+              </a:ext>
+            </a:extLst>
+          </p:cNvPr>
+          <p:cNvPicPr>
+            <a:picLocks noChangeAspect="1" noChangeArrowheads="1"/>
+          </p:cNvPicPr>
+          <p:nvPr/>
+        </p:nvPicPr>
+        <p:blipFill rotWithShape="1">
+          <a:blip r:embed="rId2">
+            <a:extLst>
+              <a:ext uri="{28A0092B-C50C-407E-A947-70E740481C1C}">
+                <a14:useLocalDpi xmlns:a14="http://schemas.microsoft.com/office/drawing/2010/main" val="0"/>
+              </a:ext>
+            </a:extLst>
+          </a:blip>
+          <a:srcRect l="29969" t="-13874" r="36354" b="23861"/>
+          <a:stretch/>
+        </p:blipFill>
+        <p:spPr bwMode="auto">
+          <a:xfrm rot="10800000">
+            <a:off x="8086166" y="-2"/>
+            <a:ext cx="4105834" cy="6158751"/>
+          </a:xfrm>
+          <a:prstGeom prst="rect">
+            <a:avLst/>
+          </a:prstGeom>
+          <a:noFill/>
+          <a:extLst>
+            <a:ext uri="{909E8E84-426E-40DD-AFC4-6F175D3DCCD1}">
+              <a14:hiddenFill xmlns:a14="http://schemas.microsoft.com/office/drawing/2010/main">
+                <a:solidFill>
+                  <a:srgbClr val="FFFFFF"/>
+                </a:solidFill>
+              </a14:hiddenFill>
+            </a:ext>
+          </a:extLst>
+        </p:spPr>
+      </p:pic>
+      <p:pic>
+        <p:nvPicPr>
+          <p:cNvPr id="2056" name="Picture 8" descr="Related image">
+            <a:extLst>
+              <a:ext uri="{FF2B5EF4-FFF2-40B4-BE49-F238E27FC236}">
+                <a16:creationId xmlns:a16="http://schemas.microsoft.com/office/drawing/2014/main" id="{C78DFF66-22DE-4540-BC8C-C99D9DEDC41A}"/>
+              </a:ext>
+            </a:extLst>
+          </p:cNvPr>
+          <p:cNvPicPr>
+            <a:picLocks noChangeAspect="1" noChangeArrowheads="1"/>
+          </p:cNvPicPr>
+          <p:nvPr/>
+        </p:nvPicPr>
+        <p:blipFill rotWithShape="1">
+          <a:blip r:embed="rId2">
+            <a:extLst>
+              <a:ext uri="{28A0092B-C50C-407E-A947-70E740481C1C}">
+                <a14:useLocalDpi xmlns:a14="http://schemas.microsoft.com/office/drawing/2010/main" val="0"/>
+              </a:ext>
+            </a:extLst>
+          </a:blip>
+          <a:srcRect l="29969" t="-13874" r="36354" b="23861"/>
+          <a:stretch/>
+        </p:blipFill>
+        <p:spPr bwMode="auto">
+          <a:xfrm rot="16200000">
+            <a:off x="7059708" y="1725707"/>
+            <a:ext cx="4105834" cy="6158751"/>
+          </a:xfrm>
+          <a:prstGeom prst="rect">
+            <a:avLst/>
+          </a:prstGeom>
+          <a:noFill/>
+          <a:extLst>
+            <a:ext uri="{909E8E84-426E-40DD-AFC4-6F175D3DCCD1}">
+              <a14:hiddenFill xmlns:a14="http://schemas.microsoft.com/office/drawing/2010/main">
+                <a:solidFill>
+                  <a:srgbClr val="FFFFFF"/>
+                </a:solidFill>
+              </a14:hiddenFill>
+            </a:ext>
+          </a:extLst>
+        </p:spPr>
+      </p:pic>
+      <p:sp>
+        <p:nvSpPr>
+          <p:cNvPr id="5" name="Title 3">
+            <a:extLst>
+              <a:ext uri="{FF2B5EF4-FFF2-40B4-BE49-F238E27FC236}">
+                <a16:creationId xmlns:a16="http://schemas.microsoft.com/office/drawing/2014/main" id="{F4BEF6E4-A3E8-4FD5-A4CB-274A9F3500A6}"/>
+              </a:ext>
+            </a:extLst>
+          </p:cNvPr>
+          <p:cNvSpPr txBox="1">
+            <a:spLocks/>
+          </p:cNvSpPr>
+          <p:nvPr/>
+        </p:nvSpPr>
+        <p:spPr>
+          <a:xfrm>
+            <a:off x="2830608" y="0"/>
+            <a:ext cx="6405282" cy="1035423"/>
+          </a:xfrm>
+          <a:prstGeom prst="rect">
+            <a:avLst/>
+          </a:prstGeom>
+        </p:spPr>
+        <p:txBody>
+          <a:bodyPr vert="horz" lIns="91440" tIns="45720" rIns="91440" bIns="45720" rtlCol="0" anchor="b">
+            <a:normAutofit/>
+          </a:bodyPr>
+          <a:lstStyle>
+            <a:lvl1pPr algn="ctr" defTabSz="914400" rtl="0" eaLnBrk="1" latinLnBrk="0" hangingPunct="1">
+              <a:lnSpc>
+                <a:spcPct val="90000"/>
+              </a:lnSpc>
+              <a:spcBef>
+                <a:spcPct val="0"/>
+              </a:spcBef>
+              <a:buNone/>
+              <a:defRPr sz="6000" kern="1200">
+                <a:solidFill>
+                  <a:schemeClr val="tx1"/>
+                </a:solidFill>
+                <a:latin typeface="+mj-lt"/>
+                <a:ea typeface="+mj-ea"/>
+                <a:cs typeface="+mj-cs"/>
+              </a:defRPr>
+            </a:lvl1pPr>
+          </a:lstStyle>
+          <a:p>
+            <a:r>
+              <a:rPr lang="bg-BG" b="1" dirty="0">
+                <a:latin typeface="Times New Roman" panose="02020603050405020304" pitchFamily="18" charset="0"/>
+                <a:cs typeface="Times New Roman" panose="02020603050405020304" pitchFamily="18" charset="0"/>
+              </a:rPr>
+              <a:t>Що е </a:t>
+            </a:r>
+            <a:r>
+              <a:rPr lang="en-US" b="1" dirty="0">
+                <a:latin typeface="Times New Roman" panose="02020603050405020304" pitchFamily="18" charset="0"/>
+                <a:cs typeface="Times New Roman" panose="02020603050405020304" pitchFamily="18" charset="0"/>
+              </a:rPr>
+              <a:t>sleeper?</a:t>
+            </a:r>
+            <a:endParaRPr lang="bg-BG" b="1" dirty="0">
+              <a:latin typeface="Times New Roman" panose="02020603050405020304" pitchFamily="18" charset="0"/>
+              <a:cs typeface="Times New Roman" panose="02020603050405020304" pitchFamily="18" charset="0"/>
+            </a:endParaRPr>
+          </a:p>
+        </p:txBody>
+      </p:sp>
+      <p:sp>
+        <p:nvSpPr>
+          <p:cNvPr id="6" name="Контейнер за съдържание 8">
+            <a:extLst>
+              <a:ext uri="{FF2B5EF4-FFF2-40B4-BE49-F238E27FC236}">
+                <a16:creationId xmlns:a16="http://schemas.microsoft.com/office/drawing/2014/main" id="{88C6111A-CC56-4E2F-9E10-4F498EA3EDCE}"/>
+              </a:ext>
+            </a:extLst>
+          </p:cNvPr>
+          <p:cNvSpPr txBox="1">
+            <a:spLocks/>
+          </p:cNvSpPr>
+          <p:nvPr/>
+        </p:nvSpPr>
+        <p:spPr>
+          <a:xfrm>
+            <a:off x="5890559" y="1449950"/>
+            <a:ext cx="3910264" cy="4372440"/>
+          </a:xfrm>
+          <a:prstGeom prst="rect">
+            <a:avLst/>
+          </a:prstGeom>
+        </p:spPr>
+        <p:txBody>
+          <a:bodyPr vert="horz" lIns="91440" tIns="45720" rIns="91440" bIns="45720" rtlCol="0">
+            <a:normAutofit/>
+          </a:bodyPr>
+          <a:lstStyle>
+            <a:lvl1pPr marL="0" indent="0" algn="ctr" defTabSz="914400" rtl="0" eaLnBrk="1" latinLnBrk="0" hangingPunct="1">
+              <a:lnSpc>
+                <a:spcPct val="90000"/>
+              </a:lnSpc>
+              <a:spcBef>
+                <a:spcPts val="1000"/>
+              </a:spcBef>
+              <a:buFont typeface="Arial" panose="020B0604020202020204" pitchFamily="34" charset="0"/>
+              <a:buNone/>
+              <a:defRPr sz="2400" kern="1200">
+                <a:solidFill>
+                  <a:schemeClr val="tx1"/>
+                </a:solidFill>
+                <a:latin typeface="+mn-lt"/>
+                <a:ea typeface="+mn-ea"/>
+                <a:cs typeface="+mn-cs"/>
+              </a:defRPr>
+            </a:lvl1pPr>
+            <a:lvl2pPr marL="457200" indent="0" algn="ctr" defTabSz="914400" rtl="0" eaLnBrk="1" latinLnBrk="0" hangingPunct="1">
+              <a:lnSpc>
+                <a:spcPct val="90000"/>
+              </a:lnSpc>
+              <a:spcBef>
+                <a:spcPts val="500"/>
+              </a:spcBef>
+              <a:buFont typeface="Arial" panose="020B0604020202020204" pitchFamily="34" charset="0"/>
+              <a:buNone/>
+              <a:defRPr sz="2000" kern="1200">
+                <a:solidFill>
+                  <a:schemeClr val="tx1"/>
+                </a:solidFill>
+                <a:latin typeface="+mn-lt"/>
+                <a:ea typeface="+mn-ea"/>
+                <a:cs typeface="+mn-cs"/>
+              </a:defRPr>
+            </a:lvl2pPr>
+            <a:lvl3pPr marL="914400" indent="0" algn="ctr" defTabSz="914400" rtl="0" eaLnBrk="1" latinLnBrk="0" hangingPunct="1">
+              <a:lnSpc>
+                <a:spcPct val="90000"/>
+              </a:lnSpc>
+              <a:spcBef>
+                <a:spcPts val="500"/>
+              </a:spcBef>
+              <a:buFont typeface="Arial" panose="020B0604020202020204" pitchFamily="34" charset="0"/>
+              <a:buNone/>
+              <a:defRPr sz="1800" kern="1200">
+                <a:solidFill>
+                  <a:schemeClr val="tx1"/>
+                </a:solidFill>
+                <a:latin typeface="+mn-lt"/>
+                <a:ea typeface="+mn-ea"/>
+                <a:cs typeface="+mn-cs"/>
+              </a:defRPr>
+            </a:lvl3pPr>
+            <a:lvl4pPr marL="1371600" indent="0" algn="ctr" defTabSz="914400" rtl="0" eaLnBrk="1" latinLnBrk="0" hangingPunct="1">
+              <a:lnSpc>
+                <a:spcPct val="90000"/>
+              </a:lnSpc>
+              <a:spcBef>
+                <a:spcPts val="500"/>
+              </a:spcBef>
+              <a:buFont typeface="Arial" panose="020B0604020202020204" pitchFamily="34" charset="0"/>
+              <a:buNone/>
+              <a:defRPr sz="1600" kern="1200">
+                <a:solidFill>
+                  <a:schemeClr val="tx1"/>
+                </a:solidFill>
+                <a:latin typeface="+mn-lt"/>
+                <a:ea typeface="+mn-ea"/>
+                <a:cs typeface="+mn-cs"/>
+              </a:defRPr>
+            </a:lvl4pPr>
+            <a:lvl5pPr marL="1828800" indent="0" algn="ctr" defTabSz="914400" rtl="0" eaLnBrk="1" latinLnBrk="0" hangingPunct="1">
+              <a:lnSpc>
+                <a:spcPct val="90000"/>
+              </a:lnSpc>
+              <a:spcBef>
+                <a:spcPts val="500"/>
+              </a:spcBef>
+              <a:buFont typeface="Arial" panose="020B0604020202020204" pitchFamily="34" charset="0"/>
+              <a:buNone/>
+              <a:defRPr sz="1600" kern="1200">
+                <a:solidFill>
+                  <a:schemeClr val="tx1"/>
+                </a:solidFill>
+                <a:latin typeface="+mn-lt"/>
+                <a:ea typeface="+mn-ea"/>
+                <a:cs typeface="+mn-cs"/>
+              </a:defRPr>
+            </a:lvl5pPr>
+            <a:lvl6pPr marL="2286000" indent="0" algn="ctr" defTabSz="914400" rtl="0" eaLnBrk="1" latinLnBrk="0" hangingPunct="1">
+              <a:lnSpc>
+                <a:spcPct val="90000"/>
+              </a:lnSpc>
+              <a:spcBef>
+                <a:spcPts val="500"/>
+              </a:spcBef>
+              <a:buFont typeface="Arial" panose="020B0604020202020204" pitchFamily="34" charset="0"/>
+              <a:buNone/>
+              <a:defRPr sz="1600" kern="1200">
+                <a:solidFill>
+                  <a:schemeClr val="tx1"/>
+                </a:solidFill>
+                <a:latin typeface="+mn-lt"/>
+                <a:ea typeface="+mn-ea"/>
+                <a:cs typeface="+mn-cs"/>
+              </a:defRPr>
+            </a:lvl6pPr>
+            <a:lvl7pPr marL="2743200" indent="0" algn="ctr" defTabSz="914400" rtl="0" eaLnBrk="1" latinLnBrk="0" hangingPunct="1">
+              <a:lnSpc>
+                <a:spcPct val="90000"/>
+              </a:lnSpc>
+              <a:spcBef>
+                <a:spcPts val="500"/>
+              </a:spcBef>
+              <a:buFont typeface="Arial" panose="020B0604020202020204" pitchFamily="34" charset="0"/>
+              <a:buNone/>
+              <a:defRPr sz="1600" kern="1200">
+                <a:solidFill>
+                  <a:schemeClr val="tx1"/>
+                </a:solidFill>
+                <a:latin typeface="+mn-lt"/>
+                <a:ea typeface="+mn-ea"/>
+                <a:cs typeface="+mn-cs"/>
+              </a:defRPr>
+            </a:lvl7pPr>
+            <a:lvl8pPr marL="3200400" indent="0" algn="ctr" defTabSz="914400" rtl="0" eaLnBrk="1" latinLnBrk="0" hangingPunct="1">
+              <a:lnSpc>
+                <a:spcPct val="90000"/>
+              </a:lnSpc>
+              <a:spcBef>
+                <a:spcPts val="500"/>
+              </a:spcBef>
+              <a:buFont typeface="Arial" panose="020B0604020202020204" pitchFamily="34" charset="0"/>
+              <a:buNone/>
+              <a:defRPr sz="1600" kern="1200">
+                <a:solidFill>
+                  <a:schemeClr val="tx1"/>
+                </a:solidFill>
+                <a:latin typeface="+mn-lt"/>
+                <a:ea typeface="+mn-ea"/>
+                <a:cs typeface="+mn-cs"/>
+              </a:defRPr>
+            </a:lvl8pPr>
+            <a:lvl9pPr marL="3657600" indent="0" algn="ctr" defTabSz="914400" rtl="0" eaLnBrk="1" latinLnBrk="0" hangingPunct="1">
+              <a:lnSpc>
+                <a:spcPct val="90000"/>
+              </a:lnSpc>
+              <a:spcBef>
+                <a:spcPts val="500"/>
+              </a:spcBef>
+              <a:buFont typeface="Arial" panose="020B0604020202020204" pitchFamily="34" charset="0"/>
+              <a:buNone/>
+              <a:defRPr sz="1600" kern="1200">
+                <a:solidFill>
+                  <a:schemeClr val="tx1"/>
+                </a:solidFill>
+                <a:latin typeface="+mn-lt"/>
+                <a:ea typeface="+mn-ea"/>
+                <a:cs typeface="+mn-cs"/>
+              </a:defRPr>
+            </a:lvl9pPr>
+          </a:lstStyle>
+          <a:p>
+            <a:pPr marL="571500" indent="-571500" algn="just">
+              <a:spcBef>
+                <a:spcPts val="600"/>
+              </a:spcBef>
+              <a:spcAft>
+                <a:spcPts val="10200"/>
+              </a:spcAft>
+              <a:buFont typeface="Wingdings" panose="05000000000000000000" pitchFamily="2" charset="2"/>
+              <a:buChar char="§"/>
+            </a:pPr>
+            <a:r>
+              <a:rPr lang="bg-BG" sz="3600" dirty="0"/>
+              <a:t>Хардуерна част.</a:t>
+            </a:r>
+            <a:endParaRPr lang="en-US" sz="3600" dirty="0"/>
+          </a:p>
+          <a:p>
+            <a:pPr marL="571500" indent="-571500" algn="just">
+              <a:spcBef>
+                <a:spcPts val="600"/>
+              </a:spcBef>
+              <a:spcAft>
+                <a:spcPts val="10200"/>
+              </a:spcAft>
+              <a:buFont typeface="Wingdings" panose="05000000000000000000" pitchFamily="2" charset="2"/>
+              <a:buChar char="§"/>
+            </a:pPr>
+            <a:r>
+              <a:rPr lang="bg-BG" sz="3600" dirty="0"/>
+              <a:t>Софтуерна част.</a:t>
+            </a:r>
+          </a:p>
+          <a:p>
+            <a:pPr algn="just"/>
+            <a:endParaRPr lang="bg-BG" dirty="0"/>
+          </a:p>
+        </p:txBody>
+      </p:sp>
+      <p:pic>
+        <p:nvPicPr>
+          <p:cNvPr id="10242" name="Picture 1">
+            <a:extLst>
+              <a:ext uri="{FF2B5EF4-FFF2-40B4-BE49-F238E27FC236}">
+                <a16:creationId xmlns:a16="http://schemas.microsoft.com/office/drawing/2014/main" id="{99F3D406-FA56-4F0C-8DFF-4C8FFFFD80BA}"/>
+              </a:ext>
+            </a:extLst>
+          </p:cNvPr>
+          <p:cNvPicPr>
+            <a:picLocks noChangeAspect="1" noChangeArrowheads="1"/>
+          </p:cNvPicPr>
+          <p:nvPr/>
+        </p:nvPicPr>
+        <p:blipFill>
+          <a:blip r:embed="rId3">
+            <a:lum bright="20000"/>
+            <a:extLst>
+              <a:ext uri="{28A0092B-C50C-407E-A947-70E740481C1C}">
+                <a14:useLocalDpi xmlns:a14="http://schemas.microsoft.com/office/drawing/2010/main" val="0"/>
+              </a:ext>
+            </a:extLst>
+          </a:blip>
+          <a:srcRect/>
+          <a:stretch>
+            <a:fillRect/>
+          </a:stretch>
+        </p:blipFill>
+        <p:spPr bwMode="auto">
+          <a:xfrm>
+            <a:off x="540600" y="1471950"/>
+            <a:ext cx="5095842" cy="4350440"/>
+          </a:xfrm>
+          <a:prstGeom prst="rect">
+            <a:avLst/>
+          </a:prstGeom>
+          <a:noFill/>
+          <a:ln>
+            <a:noFill/>
+          </a:ln>
+          <a:extLst>
+            <a:ext uri="{909E8E84-426E-40DD-AFC4-6F175D3DCCD1}">
+              <a14:hiddenFill xmlns:a14="http://schemas.microsoft.com/office/drawing/2010/main">
+                <a:solidFill>
+                  <a:srgbClr val="FFFFFF"/>
+                </a:solidFill>
+              </a14:hiddenFill>
+            </a:ext>
+            <a:ext uri="{91240B29-F687-4F45-9708-019B960494DF}">
+              <a14:hiddenLine xmlns:a14="http://schemas.microsoft.com/office/drawing/2010/main" w="9525">
+                <a:solidFill>
+                  <a:srgbClr val="000000"/>
+                </a:solidFill>
+                <a:miter lim="800000"/>
+                <a:headEnd/>
+                <a:tailEnd/>
+              </a14:hiddenLine>
+            </a:ext>
+          </a:extLst>
+        </p:spPr>
+      </p:pic>
+    </p:spTree>
+    <p:extLst>
+      <p:ext uri="{BB962C8B-B14F-4D97-AF65-F5344CB8AC3E}">
+        <p14:creationId xmlns:p14="http://schemas.microsoft.com/office/powerpoint/2010/main" val="140509121"/>
+      </p:ext>
+    </p:extLst>
+  </p:cSld>
+  <p:clrMapOvr>
+    <a:masterClrMapping/>
+  </p:clrMapOvr>
+</p:sld>
+</file>
+
+<file path=ppt/slides/slide6.xml><?xml version="1.0" encoding="utf-8"?>
+<p:sld xmlns:a="http://schemas.openxmlformats.org/drawingml/2006/main" xmlns:r="http://schemas.openxmlformats.org/officeDocument/2006/relationships" xmlns:p="http://schemas.openxmlformats.org/presentationml/2006/main">
+  <p:cSld>
+    <p:spTree>
+      <p:nvGrpSpPr>
+        <p:cNvPr id="1" name=""/>
+        <p:cNvGrpSpPr/>
+        <p:nvPr/>
+      </p:nvGrpSpPr>
+      <p:grpSpPr>
+        <a:xfrm>
+          <a:off x="0" y="0"/>
+          <a:ext cx="0" cy="0"/>
+          <a:chOff x="0" y="0"/>
+          <a:chExt cx="0" cy="0"/>
+        </a:xfrm>
+      </p:grpSpPr>
+      <p:pic>
+        <p:nvPicPr>
           <p:cNvPr id="2056" name="Picture 8" descr="Related image">
             <a:extLst>
               <a:ext uri="{FF2B5EF4-FFF2-40B4-BE49-F238E27FC236}">
@@ -6129,7 +7409,7 @@
           <a:graphicData uri="http://schemas.openxmlformats.org/presentationml/2006/ole">
             <mc:AlternateContent xmlns:mc="http://schemas.openxmlformats.org/markup-compatibility/2006">
               <mc:Choice xmlns:v="urn:schemas-microsoft-com:vml" Requires="v">
-                <p:oleObj spid="_x0000_s9228" r:id="rId4" imgW="4853480" imgH="3215475" progId="Visio.Drawing.11">
+                <p:oleObj spid="_x0000_s9234" r:id="rId4" imgW="4853480" imgH="3215475" progId="Visio.Drawing.11">
                   <p:embed/>
                 </p:oleObj>
               </mc:Choice>
@@ -6187,7 +7467,7 @@
 </p:sld>
 </file>
 
-<file path=ppt/slides/slide6.xml><?xml version="1.0" encoding="utf-8"?>
+<file path=ppt/slides/slide7.xml><?xml version="1.0" encoding="utf-8"?>
 <p:sld xmlns:a="http://schemas.openxmlformats.org/drawingml/2006/main" xmlns:r="http://schemas.openxmlformats.org/officeDocument/2006/relationships" xmlns:p="http://schemas.openxmlformats.org/presentationml/2006/main">
   <p:cSld>
     <p:spTree>
@@ -6552,302 +7832,6 @@
     <p:extLst>
       <p:ext uri="{BB962C8B-B14F-4D97-AF65-F5344CB8AC3E}">
         <p14:creationId xmlns:p14="http://schemas.microsoft.com/office/powerpoint/2010/main" val="1499650832"/>
-      </p:ext>
-    </p:extLst>
-  </p:cSld>
-  <p:clrMapOvr>
-    <a:masterClrMapping/>
-  </p:clrMapOvr>
-</p:sld>
-</file>
-
-<file path=ppt/slides/slide7.xml><?xml version="1.0" encoding="utf-8"?>
-<p:sld xmlns:a="http://schemas.openxmlformats.org/drawingml/2006/main" xmlns:r="http://schemas.openxmlformats.org/officeDocument/2006/relationships" xmlns:p="http://schemas.openxmlformats.org/presentationml/2006/main">
-  <p:cSld>
-    <p:spTree>
-      <p:nvGrpSpPr>
-        <p:cNvPr id="1" name=""/>
-        <p:cNvGrpSpPr/>
-        <p:nvPr/>
-      </p:nvGrpSpPr>
-      <p:grpSpPr>
-        <a:xfrm>
-          <a:off x="0" y="0"/>
-          <a:ext cx="0" cy="0"/>
-          <a:chOff x="0" y="0"/>
-          <a:chExt cx="0" cy="0"/>
-        </a:xfrm>
-      </p:grpSpPr>
-      <p:pic>
-        <p:nvPicPr>
-          <p:cNvPr id="2056" name="Picture 8" descr="Related image">
-            <a:extLst>
-              <a:ext uri="{FF2B5EF4-FFF2-40B4-BE49-F238E27FC236}">
-                <a16:creationId xmlns:a16="http://schemas.microsoft.com/office/drawing/2014/main" id="{C78DFF66-22DE-4540-BC8C-C99D9DEDC41A}"/>
-              </a:ext>
-            </a:extLst>
-          </p:cNvPr>
-          <p:cNvPicPr>
-            <a:picLocks noChangeAspect="1" noChangeArrowheads="1"/>
-          </p:cNvPicPr>
-          <p:nvPr/>
-        </p:nvPicPr>
-        <p:blipFill rotWithShape="1">
-          <a:blip r:embed="rId2">
-            <a:extLst>
-              <a:ext uri="{28A0092B-C50C-407E-A947-70E740481C1C}">
-                <a14:useLocalDpi xmlns:a14="http://schemas.microsoft.com/office/drawing/2010/main" val="0"/>
-              </a:ext>
-            </a:extLst>
-          </a:blip>
-          <a:srcRect l="29969" t="-13874" r="36354" b="23861"/>
-          <a:stretch/>
-        </p:blipFill>
-        <p:spPr bwMode="auto">
-          <a:xfrm rot="16200000">
-            <a:off x="7059708" y="1725707"/>
-            <a:ext cx="4105834" cy="6158751"/>
-          </a:xfrm>
-          <a:prstGeom prst="rect">
-            <a:avLst/>
-          </a:prstGeom>
-          <a:noFill/>
-          <a:extLst>
-            <a:ext uri="{909E8E84-426E-40DD-AFC4-6F175D3DCCD1}">
-              <a14:hiddenFill xmlns:a14="http://schemas.microsoft.com/office/drawing/2010/main">
-                <a:solidFill>
-                  <a:srgbClr val="FFFFFF"/>
-                </a:solidFill>
-              </a14:hiddenFill>
-            </a:ext>
-          </a:extLst>
-        </p:spPr>
-      </p:pic>
-      <p:pic>
-        <p:nvPicPr>
-          <p:cNvPr id="11" name="Picture 8" descr="Related image">
-            <a:extLst>
-              <a:ext uri="{FF2B5EF4-FFF2-40B4-BE49-F238E27FC236}">
-                <a16:creationId xmlns:a16="http://schemas.microsoft.com/office/drawing/2014/main" id="{308446BC-706E-4463-869C-2BB7C52593C0}"/>
-              </a:ext>
-            </a:extLst>
-          </p:cNvPr>
-          <p:cNvPicPr>
-            <a:picLocks noChangeAspect="1" noChangeArrowheads="1"/>
-          </p:cNvPicPr>
-          <p:nvPr/>
-        </p:nvPicPr>
-        <p:blipFill rotWithShape="1">
-          <a:blip r:embed="rId2">
-            <a:extLst>
-              <a:ext uri="{28A0092B-C50C-407E-A947-70E740481C1C}">
-                <a14:useLocalDpi xmlns:a14="http://schemas.microsoft.com/office/drawing/2010/main" val="0"/>
-              </a:ext>
-            </a:extLst>
-          </a:blip>
-          <a:srcRect l="29969" t="-13874" r="36354" b="23861"/>
-          <a:stretch/>
-        </p:blipFill>
-        <p:spPr bwMode="auto">
-          <a:xfrm rot="10800000">
-            <a:off x="8086166" y="-2"/>
-            <a:ext cx="4105834" cy="6158751"/>
-          </a:xfrm>
-          <a:prstGeom prst="rect">
-            <a:avLst/>
-          </a:prstGeom>
-          <a:noFill/>
-          <a:extLst>
-            <a:ext uri="{909E8E84-426E-40DD-AFC4-6F175D3DCCD1}">
-              <a14:hiddenFill xmlns:a14="http://schemas.microsoft.com/office/drawing/2010/main">
-                <a:solidFill>
-                  <a:srgbClr val="FFFFFF"/>
-                </a:solidFill>
-              </a14:hiddenFill>
-            </a:ext>
-          </a:extLst>
-        </p:spPr>
-      </p:pic>
-      <p:sp>
-        <p:nvSpPr>
-          <p:cNvPr id="5" name="Title 3">
-            <a:extLst>
-              <a:ext uri="{FF2B5EF4-FFF2-40B4-BE49-F238E27FC236}">
-                <a16:creationId xmlns:a16="http://schemas.microsoft.com/office/drawing/2014/main" id="{F4BEF6E4-A3E8-4FD5-A4CB-274A9F3500A6}"/>
-              </a:ext>
-            </a:extLst>
-          </p:cNvPr>
-          <p:cNvSpPr txBox="1">
-            <a:spLocks/>
-          </p:cNvSpPr>
-          <p:nvPr/>
-        </p:nvSpPr>
-        <p:spPr>
-          <a:xfrm>
-            <a:off x="3139890" y="102773"/>
-            <a:ext cx="5088893" cy="963659"/>
-          </a:xfrm>
-          <a:prstGeom prst="rect">
-            <a:avLst/>
-          </a:prstGeom>
-        </p:spPr>
-        <p:txBody>
-          <a:bodyPr vert="horz" lIns="91440" tIns="45720" rIns="91440" bIns="45720" rtlCol="0" anchor="b">
-            <a:normAutofit/>
-          </a:bodyPr>
-          <a:lstStyle>
-            <a:lvl1pPr algn="ctr" defTabSz="914400" rtl="0" eaLnBrk="1" latinLnBrk="0" hangingPunct="1">
-              <a:lnSpc>
-                <a:spcPct val="90000"/>
-              </a:lnSpc>
-              <a:spcBef>
-                <a:spcPct val="0"/>
-              </a:spcBef>
-              <a:buNone/>
-              <a:defRPr sz="6000" kern="1200">
-                <a:solidFill>
-                  <a:schemeClr val="tx1"/>
-                </a:solidFill>
-                <a:latin typeface="+mj-lt"/>
-                <a:ea typeface="+mj-ea"/>
-                <a:cs typeface="+mj-cs"/>
-              </a:defRPr>
-            </a:lvl1pPr>
-          </a:lstStyle>
-          <a:p>
-            <a:r>
-              <a:rPr lang="bg-BG" b="1" dirty="0">
-                <a:latin typeface="Times New Roman" panose="02020603050405020304" pitchFamily="18" charset="0"/>
-                <a:cs typeface="Times New Roman" panose="02020603050405020304" pitchFamily="18" charset="0"/>
-              </a:rPr>
-              <a:t>Тестове</a:t>
-            </a:r>
-          </a:p>
-        </p:txBody>
-      </p:sp>
-      <p:pic>
-        <p:nvPicPr>
-          <p:cNvPr id="11272" name="Picture 8" descr="Image result for bad sleep">
-            <a:extLst>
-              <a:ext uri="{FF2B5EF4-FFF2-40B4-BE49-F238E27FC236}">
-                <a16:creationId xmlns:a16="http://schemas.microsoft.com/office/drawing/2014/main" id="{DEDCBA23-6B6E-4FD1-854E-008014B7C9E1}"/>
-              </a:ext>
-            </a:extLst>
-          </p:cNvPr>
-          <p:cNvPicPr>
-            <a:picLocks noChangeAspect="1" noChangeArrowheads="1"/>
-          </p:cNvPicPr>
-          <p:nvPr/>
-        </p:nvPicPr>
-        <p:blipFill>
-          <a:blip r:embed="rId3">
-            <a:extLst>
-              <a:ext uri="{28A0092B-C50C-407E-A947-70E740481C1C}">
-                <a14:useLocalDpi xmlns:a14="http://schemas.microsoft.com/office/drawing/2010/main" val="0"/>
-              </a:ext>
-            </a:extLst>
-          </a:blip>
-          <a:srcRect/>
-          <a:stretch>
-            <a:fillRect/>
-          </a:stretch>
-        </p:blipFill>
-        <p:spPr bwMode="auto">
-          <a:xfrm>
-            <a:off x="593977" y="4123986"/>
-            <a:ext cx="4731390" cy="2630628"/>
-          </a:xfrm>
-          <a:prstGeom prst="rect">
-            <a:avLst/>
-          </a:prstGeom>
-          <a:noFill/>
-          <a:extLst>
-            <a:ext uri="{909E8E84-426E-40DD-AFC4-6F175D3DCCD1}">
-              <a14:hiddenFill xmlns:a14="http://schemas.microsoft.com/office/drawing/2010/main">
-                <a:solidFill>
-                  <a:srgbClr val="FFFFFF"/>
-                </a:solidFill>
-              </a14:hiddenFill>
-            </a:ext>
-          </a:extLst>
-        </p:spPr>
-      </p:pic>
-      <p:pic>
-        <p:nvPicPr>
-          <p:cNvPr id="8" name="Picture 7">
-            <a:extLst>
-              <a:ext uri="{FF2B5EF4-FFF2-40B4-BE49-F238E27FC236}">
-                <a16:creationId xmlns:a16="http://schemas.microsoft.com/office/drawing/2014/main" id="{71901984-6D58-4638-AE59-EBCC63245AFC}"/>
-              </a:ext>
-            </a:extLst>
-          </p:cNvPr>
-          <p:cNvPicPr>
-            <a:picLocks noChangeAspect="1"/>
-          </p:cNvPicPr>
-          <p:nvPr/>
-        </p:nvPicPr>
-        <p:blipFill>
-          <a:blip r:embed="rId4">
-            <a:extLst>
-              <a:ext uri="{28A0092B-C50C-407E-A947-70E740481C1C}">
-                <a14:useLocalDpi xmlns:a14="http://schemas.microsoft.com/office/drawing/2010/main" val="0"/>
-              </a:ext>
-            </a:extLst>
-          </a:blip>
-          <a:stretch>
-            <a:fillRect/>
-          </a:stretch>
-        </p:blipFill>
-        <p:spPr>
-          <a:xfrm>
-            <a:off x="593978" y="969726"/>
-            <a:ext cx="4731390" cy="3154260"/>
-          </a:xfrm>
-          <a:prstGeom prst="rect">
-            <a:avLst/>
-          </a:prstGeom>
-        </p:spPr>
-      </p:pic>
-      <p:pic>
-        <p:nvPicPr>
-          <p:cNvPr id="10" name="Picture 9">
-            <a:extLst>
-              <a:ext uri="{FF2B5EF4-FFF2-40B4-BE49-F238E27FC236}">
-                <a16:creationId xmlns:a16="http://schemas.microsoft.com/office/drawing/2014/main" id="{419DB00A-DE4B-4A30-B37F-E07C0B2CA4DD}"/>
-              </a:ext>
-            </a:extLst>
-          </p:cNvPr>
-          <p:cNvPicPr>
-            <a:picLocks noChangeAspect="1"/>
-          </p:cNvPicPr>
-          <p:nvPr/>
-        </p:nvPicPr>
-        <p:blipFill>
-          <a:blip r:embed="rId5">
-            <a:extLst>
-              <a:ext uri="{28A0092B-C50C-407E-A947-70E740481C1C}">
-                <a14:useLocalDpi xmlns:a14="http://schemas.microsoft.com/office/drawing/2010/main" val="0"/>
-              </a:ext>
-            </a:extLst>
-          </a:blip>
-          <a:stretch>
-            <a:fillRect/>
-          </a:stretch>
-        </p:blipFill>
-        <p:spPr>
-          <a:xfrm>
-            <a:off x="5325367" y="2079768"/>
-            <a:ext cx="5396926" cy="2698463"/>
-          </a:xfrm>
-          <a:prstGeom prst="rect">
-            <a:avLst/>
-          </a:prstGeom>
-        </p:spPr>
-      </p:pic>
-    </p:spTree>
-    <p:extLst>
-      <p:ext uri="{BB962C8B-B14F-4D97-AF65-F5344CB8AC3E}">
-        <p14:creationId xmlns:p14="http://schemas.microsoft.com/office/powerpoint/2010/main" val="2317041987"/>
       </p:ext>
     </p:extLst>
   </p:cSld>
@@ -6989,7 +7973,7 @@
         </p:spPr>
         <p:txBody>
           <a:bodyPr vert="horz" lIns="91440" tIns="45720" rIns="91440" bIns="45720" rtlCol="0" anchor="b">
-            <a:normAutofit/>
+            <a:normAutofit fontScale="70000" lnSpcReduction="20000"/>
           </a:bodyPr>
           <a:lstStyle>
             <a:lvl1pPr algn="ctr" defTabSz="914400" rtl="0" eaLnBrk="1" latinLnBrk="0" hangingPunct="1">
@@ -7016,64 +8000,17 @@
                 <a:latin typeface="Times New Roman" panose="02020603050405020304" pitchFamily="18" charset="0"/>
                 <a:cs typeface="Times New Roman" panose="02020603050405020304" pitchFamily="18" charset="0"/>
               </a:rPr>
-              <a:t>Тестове</a:t>
+              <a:t>Резултат от анализ</a:t>
             </a:r>
           </a:p>
         </p:txBody>
       </p:sp>
       <p:pic>
         <p:nvPicPr>
-          <p:cNvPr id="11270" name="Picture 6" descr="Image result for deep sleep">
-            <a:extLst>
-              <a:ext uri="{FF2B5EF4-FFF2-40B4-BE49-F238E27FC236}">
-                <a16:creationId xmlns:a16="http://schemas.microsoft.com/office/drawing/2014/main" id="{B33BC651-4249-4713-8E24-FF25FD212E2C}"/>
-              </a:ext>
-            </a:extLst>
-          </p:cNvPr>
-          <p:cNvPicPr>
-            <a:picLocks noChangeAspect="1" noChangeArrowheads="1"/>
-          </p:cNvPicPr>
-          <p:nvPr/>
-        </p:nvPicPr>
-        <p:blipFill>
-          <a:blip r:embed="rId3">
-            <a:extLst>
-              <a:ext uri="{28A0092B-C50C-407E-A947-70E740481C1C}">
-                <a14:useLocalDpi xmlns:a14="http://schemas.microsoft.com/office/drawing/2010/main" val="0"/>
-              </a:ext>
-            </a:extLst>
-          </a:blip>
-          <a:srcRect/>
-          <a:stretch>
-            <a:fillRect/>
-          </a:stretch>
-        </p:blipFill>
-        <p:spPr bwMode="auto">
-          <a:xfrm>
-            <a:off x="935781" y="4051136"/>
-            <a:ext cx="4488564" cy="2524818"/>
-          </a:xfrm>
-          <a:prstGeom prst="rect">
-            <a:avLst/>
-          </a:prstGeom>
-          <a:noFill/>
-          <a:extLst>
-            <a:ext uri="{909E8E84-426E-40DD-AFC4-6F175D3DCCD1}">
-              <a14:hiddenFill xmlns:a14="http://schemas.microsoft.com/office/drawing/2010/main">
-                <a:solidFill>
-                  <a:srgbClr val="FFFFFF"/>
-                </a:solidFill>
-              </a14:hiddenFill>
-            </a:ext>
-          </a:extLst>
-        </p:spPr>
-      </p:pic>
-      <p:pic>
-        <p:nvPicPr>
-          <p:cNvPr id="3" name="Picture 2">
-            <a:extLst>
-              <a:ext uri="{FF2B5EF4-FFF2-40B4-BE49-F238E27FC236}">
-                <a16:creationId xmlns:a16="http://schemas.microsoft.com/office/drawing/2014/main" id="{4709551D-7557-4A89-A980-F8B091B02AB5}"/>
+          <p:cNvPr id="8" name="Picture 7">
+            <a:extLst>
+              <a:ext uri="{FF2B5EF4-FFF2-40B4-BE49-F238E27FC236}">
+                <a16:creationId xmlns:a16="http://schemas.microsoft.com/office/drawing/2014/main" id="{62DE447E-B1D0-4515-B508-5C67E3A88A81}"/>
               </a:ext>
             </a:extLst>
           </p:cNvPr>
@@ -7083,7 +8020,7 @@
           <p:nvPr/>
         </p:nvPicPr>
         <p:blipFill>
-          <a:blip r:embed="rId4">
+          <a:blip r:embed="rId3">
             <a:extLst>
               <a:ext uri="{28A0092B-C50C-407E-A947-70E740481C1C}">
                 <a14:useLocalDpi xmlns:a14="http://schemas.microsoft.com/office/drawing/2010/main" val="0"/>
@@ -7096,44 +8033,8 @@
         </p:blipFill>
         <p:spPr>
           <a:xfrm>
-            <a:off x="5431748" y="2019062"/>
-            <a:ext cx="5308834" cy="2654417"/>
-          </a:xfrm>
-          <a:prstGeom prst="rect">
-            <a:avLst/>
-          </a:prstGeom>
-        </p:spPr>
-      </p:pic>
-      <p:pic>
-        <p:nvPicPr>
-          <p:cNvPr id="6" name="Picture 5">
-            <a:extLst>
-              <a:ext uri="{FF2B5EF4-FFF2-40B4-BE49-F238E27FC236}">
-                <a16:creationId xmlns:a16="http://schemas.microsoft.com/office/drawing/2014/main" id="{C8604264-D81F-43FC-888E-9BC532A937CF}"/>
-              </a:ext>
-            </a:extLst>
-          </p:cNvPr>
-          <p:cNvPicPr>
-            <a:picLocks noChangeAspect="1"/>
-          </p:cNvPicPr>
-          <p:nvPr/>
-        </p:nvPicPr>
-        <p:blipFill>
-          <a:blip r:embed="rId5">
-            <a:extLst>
-              <a:ext uri="{28A0092B-C50C-407E-A947-70E740481C1C}">
-                <a14:useLocalDpi xmlns:a14="http://schemas.microsoft.com/office/drawing/2010/main" val="0"/>
-              </a:ext>
-            </a:extLst>
-          </a:blip>
-          <a:stretch>
-            <a:fillRect/>
-          </a:stretch>
-        </p:blipFill>
-        <p:spPr>
-          <a:xfrm>
-            <a:off x="928380" y="1048891"/>
-            <a:ext cx="4503367" cy="3002245"/>
+            <a:off x="1586431" y="1086663"/>
+            <a:ext cx="8195810" cy="5463873"/>
           </a:xfrm>
           <a:prstGeom prst="rect">
             <a:avLst/>
@@ -7242,7 +8143,7 @@
         </p:blipFill>
         <p:spPr bwMode="auto">
           <a:xfrm rot="10800000">
-            <a:off x="8086166" y="0"/>
+            <a:off x="8086166" y="-2"/>
             <a:ext cx="4105834" cy="6158751"/>
           </a:xfrm>
           <a:prstGeom prst="rect">
@@ -7276,8 +8177,8 @@
         </p:nvSpPr>
         <p:spPr>
           <a:xfrm>
-            <a:off x="2830608" y="0"/>
-            <a:ext cx="6405282" cy="1035423"/>
+            <a:off x="3139890" y="102773"/>
+            <a:ext cx="5088893" cy="963659"/>
           </a:xfrm>
           <a:prstGeom prst="rect">
             <a:avLst/>
@@ -7285,7 +8186,7 @@
         </p:spPr>
         <p:txBody>
           <a:bodyPr vert="horz" lIns="91440" tIns="45720" rIns="91440" bIns="45720" rtlCol="0" anchor="b">
-            <a:normAutofit/>
+            <a:normAutofit fontScale="70000" lnSpcReduction="20000"/>
           </a:bodyPr>
           <a:lstStyle>
             <a:lvl1pPr algn="ctr" defTabSz="914400" rtl="0" eaLnBrk="1" latinLnBrk="0" hangingPunct="1">
@@ -7312,247 +8213,51 @@
                 <a:latin typeface="Times New Roman" panose="02020603050405020304" pitchFamily="18" charset="0"/>
                 <a:cs typeface="Times New Roman" panose="02020603050405020304" pitchFamily="18" charset="0"/>
               </a:rPr>
-              <a:t>Предимства</a:t>
+              <a:t>Резултат от анализ</a:t>
             </a:r>
           </a:p>
         </p:txBody>
       </p:sp>
-      <p:sp>
-        <p:nvSpPr>
-          <p:cNvPr id="6" name="Контейнер за съдържание 8">
-            <a:extLst>
-              <a:ext uri="{FF2B5EF4-FFF2-40B4-BE49-F238E27FC236}">
-                <a16:creationId xmlns:a16="http://schemas.microsoft.com/office/drawing/2014/main" id="{47C2FCB4-E973-414F-AF48-4C8DAF1A4CEA}"/>
-              </a:ext>
-            </a:extLst>
-          </p:cNvPr>
-          <p:cNvSpPr txBox="1">
-            <a:spLocks/>
-          </p:cNvSpPr>
+      <p:pic>
+        <p:nvPicPr>
+          <p:cNvPr id="7" name="Picture 6">
+            <a:extLst>
+              <a:ext uri="{FF2B5EF4-FFF2-40B4-BE49-F238E27FC236}">
+                <a16:creationId xmlns:a16="http://schemas.microsoft.com/office/drawing/2014/main" id="{DDFAFBC5-74C3-4268-9C44-953FFFA14509}"/>
+              </a:ext>
+            </a:extLst>
+          </p:cNvPr>
+          <p:cNvPicPr>
+            <a:picLocks noChangeAspect="1"/>
+          </p:cNvPicPr>
           <p:nvPr/>
-        </p:nvSpPr>
+        </p:nvPicPr>
+        <p:blipFill>
+          <a:blip r:embed="rId3">
+            <a:extLst>
+              <a:ext uri="{28A0092B-C50C-407E-A947-70E740481C1C}">
+                <a14:useLocalDpi xmlns:a14="http://schemas.microsoft.com/office/drawing/2010/main" val="0"/>
+              </a:ext>
+            </a:extLst>
+          </a:blip>
+          <a:stretch>
+            <a:fillRect/>
+          </a:stretch>
+        </p:blipFill>
         <p:spPr>
           <a:xfrm>
-            <a:off x="1847819" y="1339436"/>
-            <a:ext cx="8291264" cy="4105834"/>
+            <a:off x="1044832" y="1324391"/>
+            <a:ext cx="9976833" cy="4988417"/>
           </a:xfrm>
           <a:prstGeom prst="rect">
             <a:avLst/>
           </a:prstGeom>
         </p:spPr>
-        <p:txBody>
-          <a:bodyPr vert="horz" lIns="91440" tIns="45720" rIns="91440" bIns="45720" rtlCol="0">
-            <a:normAutofit lnSpcReduction="10000"/>
-          </a:bodyPr>
-          <a:lstStyle>
-            <a:lvl1pPr marL="0" indent="0" algn="ctr" defTabSz="914400" rtl="0" eaLnBrk="1" latinLnBrk="0" hangingPunct="1">
-              <a:lnSpc>
-                <a:spcPct val="90000"/>
-              </a:lnSpc>
-              <a:spcBef>
-                <a:spcPts val="1000"/>
-              </a:spcBef>
-              <a:buFont typeface="Arial" panose="020B0604020202020204" pitchFamily="34" charset="0"/>
-              <a:buNone/>
-              <a:defRPr sz="2400" kern="1200">
-                <a:solidFill>
-                  <a:schemeClr val="tx1"/>
-                </a:solidFill>
-                <a:latin typeface="+mn-lt"/>
-                <a:ea typeface="+mn-ea"/>
-                <a:cs typeface="+mn-cs"/>
-              </a:defRPr>
-            </a:lvl1pPr>
-            <a:lvl2pPr marL="457200" indent="0" algn="ctr" defTabSz="914400" rtl="0" eaLnBrk="1" latinLnBrk="0" hangingPunct="1">
-              <a:lnSpc>
-                <a:spcPct val="90000"/>
-              </a:lnSpc>
-              <a:spcBef>
-                <a:spcPts val="500"/>
-              </a:spcBef>
-              <a:buFont typeface="Arial" panose="020B0604020202020204" pitchFamily="34" charset="0"/>
-              <a:buNone/>
-              <a:defRPr sz="2000" kern="1200">
-                <a:solidFill>
-                  <a:schemeClr val="tx1"/>
-                </a:solidFill>
-                <a:latin typeface="+mn-lt"/>
-                <a:ea typeface="+mn-ea"/>
-                <a:cs typeface="+mn-cs"/>
-              </a:defRPr>
-            </a:lvl2pPr>
-            <a:lvl3pPr marL="914400" indent="0" algn="ctr" defTabSz="914400" rtl="0" eaLnBrk="1" latinLnBrk="0" hangingPunct="1">
-              <a:lnSpc>
-                <a:spcPct val="90000"/>
-              </a:lnSpc>
-              <a:spcBef>
-                <a:spcPts val="500"/>
-              </a:spcBef>
-              <a:buFont typeface="Arial" panose="020B0604020202020204" pitchFamily="34" charset="0"/>
-              <a:buNone/>
-              <a:defRPr sz="1800" kern="1200">
-                <a:solidFill>
-                  <a:schemeClr val="tx1"/>
-                </a:solidFill>
-                <a:latin typeface="+mn-lt"/>
-                <a:ea typeface="+mn-ea"/>
-                <a:cs typeface="+mn-cs"/>
-              </a:defRPr>
-            </a:lvl3pPr>
-            <a:lvl4pPr marL="1371600" indent="0" algn="ctr" defTabSz="914400" rtl="0" eaLnBrk="1" latinLnBrk="0" hangingPunct="1">
-              <a:lnSpc>
-                <a:spcPct val="90000"/>
-              </a:lnSpc>
-              <a:spcBef>
-                <a:spcPts val="500"/>
-              </a:spcBef>
-              <a:buFont typeface="Arial" panose="020B0604020202020204" pitchFamily="34" charset="0"/>
-              <a:buNone/>
-              <a:defRPr sz="1600" kern="1200">
-                <a:solidFill>
-                  <a:schemeClr val="tx1"/>
-                </a:solidFill>
-                <a:latin typeface="+mn-lt"/>
-                <a:ea typeface="+mn-ea"/>
-                <a:cs typeface="+mn-cs"/>
-              </a:defRPr>
-            </a:lvl4pPr>
-            <a:lvl5pPr marL="1828800" indent="0" algn="ctr" defTabSz="914400" rtl="0" eaLnBrk="1" latinLnBrk="0" hangingPunct="1">
-              <a:lnSpc>
-                <a:spcPct val="90000"/>
-              </a:lnSpc>
-              <a:spcBef>
-                <a:spcPts val="500"/>
-              </a:spcBef>
-              <a:buFont typeface="Arial" panose="020B0604020202020204" pitchFamily="34" charset="0"/>
-              <a:buNone/>
-              <a:defRPr sz="1600" kern="1200">
-                <a:solidFill>
-                  <a:schemeClr val="tx1"/>
-                </a:solidFill>
-                <a:latin typeface="+mn-lt"/>
-                <a:ea typeface="+mn-ea"/>
-                <a:cs typeface="+mn-cs"/>
-              </a:defRPr>
-            </a:lvl5pPr>
-            <a:lvl6pPr marL="2286000" indent="0" algn="ctr" defTabSz="914400" rtl="0" eaLnBrk="1" latinLnBrk="0" hangingPunct="1">
-              <a:lnSpc>
-                <a:spcPct val="90000"/>
-              </a:lnSpc>
-              <a:spcBef>
-                <a:spcPts val="500"/>
-              </a:spcBef>
-              <a:buFont typeface="Arial" panose="020B0604020202020204" pitchFamily="34" charset="0"/>
-              <a:buNone/>
-              <a:defRPr sz="1600" kern="1200">
-                <a:solidFill>
-                  <a:schemeClr val="tx1"/>
-                </a:solidFill>
-                <a:latin typeface="+mn-lt"/>
-                <a:ea typeface="+mn-ea"/>
-                <a:cs typeface="+mn-cs"/>
-              </a:defRPr>
-            </a:lvl6pPr>
-            <a:lvl7pPr marL="2743200" indent="0" algn="ctr" defTabSz="914400" rtl="0" eaLnBrk="1" latinLnBrk="0" hangingPunct="1">
-              <a:lnSpc>
-                <a:spcPct val="90000"/>
-              </a:lnSpc>
-              <a:spcBef>
-                <a:spcPts val="500"/>
-              </a:spcBef>
-              <a:buFont typeface="Arial" panose="020B0604020202020204" pitchFamily="34" charset="0"/>
-              <a:buNone/>
-              <a:defRPr sz="1600" kern="1200">
-                <a:solidFill>
-                  <a:schemeClr val="tx1"/>
-                </a:solidFill>
-                <a:latin typeface="+mn-lt"/>
-                <a:ea typeface="+mn-ea"/>
-                <a:cs typeface="+mn-cs"/>
-              </a:defRPr>
-            </a:lvl7pPr>
-            <a:lvl8pPr marL="3200400" indent="0" algn="ctr" defTabSz="914400" rtl="0" eaLnBrk="1" latinLnBrk="0" hangingPunct="1">
-              <a:lnSpc>
-                <a:spcPct val="90000"/>
-              </a:lnSpc>
-              <a:spcBef>
-                <a:spcPts val="500"/>
-              </a:spcBef>
-              <a:buFont typeface="Arial" panose="020B0604020202020204" pitchFamily="34" charset="0"/>
-              <a:buNone/>
-              <a:defRPr sz="1600" kern="1200">
-                <a:solidFill>
-                  <a:schemeClr val="tx1"/>
-                </a:solidFill>
-                <a:latin typeface="+mn-lt"/>
-                <a:ea typeface="+mn-ea"/>
-                <a:cs typeface="+mn-cs"/>
-              </a:defRPr>
-            </a:lvl8pPr>
-            <a:lvl9pPr marL="3657600" indent="0" algn="ctr" defTabSz="914400" rtl="0" eaLnBrk="1" latinLnBrk="0" hangingPunct="1">
-              <a:lnSpc>
-                <a:spcPct val="90000"/>
-              </a:lnSpc>
-              <a:spcBef>
-                <a:spcPts val="500"/>
-              </a:spcBef>
-              <a:buFont typeface="Arial" panose="020B0604020202020204" pitchFamily="34" charset="0"/>
-              <a:buNone/>
-              <a:defRPr sz="1600" kern="1200">
-                <a:solidFill>
-                  <a:schemeClr val="tx1"/>
-                </a:solidFill>
-                <a:latin typeface="+mn-lt"/>
-                <a:ea typeface="+mn-ea"/>
-                <a:cs typeface="+mn-cs"/>
-              </a:defRPr>
-            </a:lvl9pPr>
-          </a:lstStyle>
-          <a:p>
-            <a:pPr marL="342900" indent="-342900" algn="just">
-              <a:spcAft>
-                <a:spcPts val="7200"/>
-              </a:spcAft>
-              <a:buFont typeface="Wingdings" panose="05000000000000000000" pitchFamily="2" charset="2"/>
-              <a:buChar char="§"/>
-            </a:pPr>
-            <a:r>
-              <a:rPr lang="bg-BG" sz="3600" dirty="0"/>
-              <a:t>Отворен код.</a:t>
-            </a:r>
-          </a:p>
-          <a:p>
-            <a:pPr marL="342900" indent="-342900" algn="just">
-              <a:spcAft>
-                <a:spcPts val="7200"/>
-              </a:spcAft>
-              <a:buFont typeface="Wingdings" panose="05000000000000000000" pitchFamily="2" charset="2"/>
-              <a:buChar char="§"/>
-            </a:pPr>
-            <a:r>
-              <a:rPr lang="bg-BG" sz="3600" dirty="0"/>
-              <a:t>Възможност за лесно добавяне на нови сензори.</a:t>
-            </a:r>
-          </a:p>
-          <a:p>
-            <a:pPr marL="342900" indent="-342900" algn="just">
-              <a:spcAft>
-                <a:spcPts val="7200"/>
-              </a:spcAft>
-              <a:buFont typeface="Wingdings" panose="05000000000000000000" pitchFamily="2" charset="2"/>
-              <a:buChar char="§"/>
-            </a:pPr>
-            <a:r>
-              <a:rPr lang="bg-BG" sz="3600" dirty="0"/>
-              <a:t>Ниска цена и лесна изработка.</a:t>
-            </a:r>
-          </a:p>
-        </p:txBody>
-      </p:sp>
+      </p:pic>
     </p:spTree>
     <p:extLst>
       <p:ext uri="{BB962C8B-B14F-4D97-AF65-F5344CB8AC3E}">
-        <p14:creationId xmlns:p14="http://schemas.microsoft.com/office/powerpoint/2010/main" val="1212157711"/>
+        <p14:creationId xmlns:p14="http://schemas.microsoft.com/office/powerpoint/2010/main" val="2675902324"/>
       </p:ext>
     </p:extLst>
   </p:cSld>
